--- a/Office Docs/10 Remembering lists.pptx
+++ b/Office Docs/10 Remembering lists.pptx
@@ -5,48 +5,49 @@
     <p:sldMasterId id="2147483660" r:id="rId1"/>
   </p:sldMasterIdLst>
   <p:notesMasterIdLst>
-    <p:notesMasterId r:id="rId41"/>
+    <p:notesMasterId r:id="rId42"/>
   </p:notesMasterIdLst>
   <p:sldIdLst>
     <p:sldId id="405" r:id="rId2"/>
     <p:sldId id="406" r:id="rId3"/>
-    <p:sldId id="407" r:id="rId4"/>
-    <p:sldId id="433" r:id="rId5"/>
-    <p:sldId id="408" r:id="rId6"/>
-    <p:sldId id="449" r:id="rId7"/>
-    <p:sldId id="415" r:id="rId8"/>
-    <p:sldId id="434" r:id="rId9"/>
-    <p:sldId id="421" r:id="rId10"/>
-    <p:sldId id="416" r:id="rId11"/>
-    <p:sldId id="420" r:id="rId12"/>
-    <p:sldId id="422" r:id="rId13"/>
-    <p:sldId id="426" r:id="rId14"/>
-    <p:sldId id="435" r:id="rId15"/>
-    <p:sldId id="417" r:id="rId16"/>
-    <p:sldId id="418" r:id="rId17"/>
-    <p:sldId id="451" r:id="rId18"/>
-    <p:sldId id="419" r:id="rId19"/>
-    <p:sldId id="409" r:id="rId20"/>
-    <p:sldId id="410" r:id="rId21"/>
-    <p:sldId id="452" r:id="rId22"/>
-    <p:sldId id="411" r:id="rId23"/>
-    <p:sldId id="412" r:id="rId24"/>
-    <p:sldId id="413" r:id="rId25"/>
-    <p:sldId id="414" r:id="rId26"/>
-    <p:sldId id="423" r:id="rId27"/>
-    <p:sldId id="424" r:id="rId28"/>
-    <p:sldId id="436" r:id="rId29"/>
-    <p:sldId id="437" r:id="rId30"/>
-    <p:sldId id="444" r:id="rId31"/>
-    <p:sldId id="440" r:id="rId32"/>
-    <p:sldId id="441" r:id="rId33"/>
-    <p:sldId id="445" r:id="rId34"/>
-    <p:sldId id="446" r:id="rId35"/>
-    <p:sldId id="447" r:id="rId36"/>
-    <p:sldId id="442" r:id="rId37"/>
-    <p:sldId id="443" r:id="rId38"/>
-    <p:sldId id="448" r:id="rId39"/>
-    <p:sldId id="450" r:id="rId40"/>
+    <p:sldId id="453" r:id="rId4"/>
+    <p:sldId id="407" r:id="rId5"/>
+    <p:sldId id="433" r:id="rId6"/>
+    <p:sldId id="408" r:id="rId7"/>
+    <p:sldId id="449" r:id="rId8"/>
+    <p:sldId id="415" r:id="rId9"/>
+    <p:sldId id="434" r:id="rId10"/>
+    <p:sldId id="454" r:id="rId11"/>
+    <p:sldId id="416" r:id="rId12"/>
+    <p:sldId id="420" r:id="rId13"/>
+    <p:sldId id="422" r:id="rId14"/>
+    <p:sldId id="426" r:id="rId15"/>
+    <p:sldId id="435" r:id="rId16"/>
+    <p:sldId id="455" r:id="rId17"/>
+    <p:sldId id="418" r:id="rId18"/>
+    <p:sldId id="451" r:id="rId19"/>
+    <p:sldId id="419" r:id="rId20"/>
+    <p:sldId id="456" r:id="rId21"/>
+    <p:sldId id="410" r:id="rId22"/>
+    <p:sldId id="452" r:id="rId23"/>
+    <p:sldId id="411" r:id="rId24"/>
+    <p:sldId id="412" r:id="rId25"/>
+    <p:sldId id="413" r:id="rId26"/>
+    <p:sldId id="414" r:id="rId27"/>
+    <p:sldId id="423" r:id="rId28"/>
+    <p:sldId id="424" r:id="rId29"/>
+    <p:sldId id="436" r:id="rId30"/>
+    <p:sldId id="437" r:id="rId31"/>
+    <p:sldId id="444" r:id="rId32"/>
+    <p:sldId id="440" r:id="rId33"/>
+    <p:sldId id="441" r:id="rId34"/>
+    <p:sldId id="445" r:id="rId35"/>
+    <p:sldId id="446" r:id="rId36"/>
+    <p:sldId id="447" r:id="rId37"/>
+    <p:sldId id="442" r:id="rId38"/>
+    <p:sldId id="443" r:id="rId39"/>
+    <p:sldId id="448" r:id="rId40"/>
+    <p:sldId id="450" r:id="rId41"/>
   </p:sldIdLst>
   <p:sldSz cx="12192000" cy="6858000"/>
   <p:notesSz cx="6858000" cy="9144000"/>
@@ -152,23 +153,24 @@
           <p14:sldIdLst>
             <p14:sldId id="405"/>
             <p14:sldId id="406"/>
+            <p14:sldId id="453"/>
             <p14:sldId id="407"/>
             <p14:sldId id="433"/>
             <p14:sldId id="408"/>
             <p14:sldId id="449"/>
             <p14:sldId id="415"/>
             <p14:sldId id="434"/>
-            <p14:sldId id="421"/>
+            <p14:sldId id="454"/>
             <p14:sldId id="416"/>
             <p14:sldId id="420"/>
             <p14:sldId id="422"/>
             <p14:sldId id="426"/>
             <p14:sldId id="435"/>
-            <p14:sldId id="417"/>
+            <p14:sldId id="455"/>
             <p14:sldId id="418"/>
             <p14:sldId id="451"/>
             <p14:sldId id="419"/>
-            <p14:sldId id="409"/>
+            <p14:sldId id="456"/>
             <p14:sldId id="410"/>
             <p14:sldId id="452"/>
             <p14:sldId id="411"/>
@@ -288,7 +290,7 @@
           <a:p>
             <a:fld id="{A9DDBD42-E139-45FA-9C16-1611187CAC3F}" type="datetimeFigureOut">
               <a:rPr lang="en-US" smtClean="0"/>
-              <a:t>9/18/2014</a:t>
+              <a:t>9/24/2014</a:t>
             </a:fld>
             <a:endParaRPr lang="en-US"/>
           </a:p>
@@ -621,7 +623,7 @@
           <a:p>
             <a:fld id="{906AB01E-7BD7-442B-8A6B-D31FAFDAE830}" type="slidenum">
               <a:rPr lang="en-US" smtClean="0"/>
-              <a:t>20</a:t>
+              <a:t>21</a:t>
             </a:fld>
             <a:endParaRPr lang="en-US"/>
           </a:p>
@@ -705,7 +707,7 @@
           <a:p>
             <a:fld id="{906AB01E-7BD7-442B-8A6B-D31FAFDAE830}" type="slidenum">
               <a:rPr lang="en-US" smtClean="0"/>
-              <a:t>23</a:t>
+              <a:t>24</a:t>
             </a:fld>
             <a:endParaRPr lang="en-US"/>
           </a:p>
@@ -789,7 +791,7 @@
           <a:p>
             <a:fld id="{906AB01E-7BD7-442B-8A6B-D31FAFDAE830}" type="slidenum">
               <a:rPr lang="en-US" smtClean="0"/>
-              <a:t>25</a:t>
+              <a:t>26</a:t>
             </a:fld>
             <a:endParaRPr lang="en-US"/>
           </a:p>
@@ -2625,7 +2627,7 @@
           <a:p>
             <a:fld id="{8869F24F-79D1-498A-9650-DDD01EAD51AF}" type="datetimeFigureOut">
               <a:rPr lang="en-US" smtClean="0"/>
-              <a:t>9/18/2014</a:t>
+              <a:t>9/24/2014</a:t>
             </a:fld>
             <a:endParaRPr lang="en-US"/>
           </a:p>
@@ -3086,17 +3088,8 @@
           <a:p>
             <a:r>
               <a:rPr lang="en-CA" dirty="0" smtClean="0"/>
-              <a:t>Christopher </a:t>
-            </a:r>
-            <a:r>
-              <a:rPr lang="en-CA" dirty="0" smtClean="0"/>
-              <a:t>Harrison | Content </a:t>
-            </a:r>
-            <a:r>
-              <a:rPr lang="en-CA" dirty="0" smtClean="0"/>
-              <a:t>Developer</a:t>
-            </a:r>
-            <a:endParaRPr lang="en-CA" dirty="0" smtClean="0"/>
+              <a:t>Christopher Harrison | Content Developer</a:t>
+            </a:r>
           </a:p>
         </p:txBody>
       </p:sp>
@@ -3151,6 +3144,83 @@
 </file>
 
 <file path=ppt/slides/slide10.xml><?xml version="1.0" encoding="utf-8"?>
+<p:sld xmlns:a="http://schemas.openxmlformats.org/drawingml/2006/main" xmlns:r="http://schemas.openxmlformats.org/officeDocument/2006/relationships" xmlns:p="http://schemas.openxmlformats.org/presentationml/2006/main">
+  <p:cSld>
+    <p:spTree>
+      <p:nvGrpSpPr>
+        <p:cNvPr id="1" name=""/>
+        <p:cNvGrpSpPr/>
+        <p:nvPr/>
+      </p:nvGrpSpPr>
+      <p:grpSpPr>
+        <a:xfrm>
+          <a:off x="0" y="0"/>
+          <a:ext cx="0" cy="0"/>
+          <a:chOff x="0" y="0"/>
+          <a:chExt cx="0" cy="0"/>
+        </a:xfrm>
+      </p:grpSpPr>
+      <p:sp>
+        <p:nvSpPr>
+          <p:cNvPr id="5" name="Subtitle 4"/>
+          <p:cNvSpPr>
+            <a:spLocks noGrp="1"/>
+          </p:cNvSpPr>
+          <p:nvPr>
+            <p:ph type="subTitle" idx="1"/>
+          </p:nvPr>
+        </p:nvSpPr>
+        <p:spPr/>
+        <p:txBody>
+          <a:bodyPr/>
+          <a:lstStyle/>
+          <a:p>
+            <a:endParaRPr lang="en-US"/>
+          </a:p>
+        </p:txBody>
+      </p:sp>
+      <p:sp>
+        <p:nvSpPr>
+          <p:cNvPr id="4" name="Title 3"/>
+          <p:cNvSpPr>
+            <a:spLocks noGrp="1"/>
+          </p:cNvSpPr>
+          <p:nvPr>
+            <p:ph type="ctrTitle"/>
+          </p:nvPr>
+        </p:nvSpPr>
+        <p:spPr>
+          <a:xfrm>
+            <a:off x="193271" y="3362632"/>
+            <a:ext cx="8579886" cy="1656316"/>
+          </a:xfrm>
+        </p:spPr>
+        <p:txBody>
+          <a:bodyPr/>
+          <a:lstStyle/>
+          <a:p>
+            <a:r>
+              <a:rPr lang="en-US" dirty="0" smtClean="0"/>
+              <a:t>Updating lists</a:t>
+            </a:r>
+            <a:endParaRPr lang="en-US" dirty="0"/>
+          </a:p>
+        </p:txBody>
+      </p:sp>
+    </p:spTree>
+    <p:extLst>
+      <p:ext uri="{BB962C8B-B14F-4D97-AF65-F5344CB8AC3E}">
+        <p14:creationId xmlns:p14="http://schemas.microsoft.com/office/powerpoint/2010/main" val="863596827"/>
+      </p:ext>
+    </p:extLst>
+  </p:cSld>
+  <p:clrMapOvr>
+    <a:masterClrMapping/>
+  </p:clrMapOvr>
+</p:sld>
+</file>
+
+<file path=ppt/slides/slide11.xml><?xml version="1.0" encoding="utf-8"?>
 <p:sld xmlns:a="http://schemas.openxmlformats.org/drawingml/2006/main" xmlns:r="http://schemas.openxmlformats.org/officeDocument/2006/relationships" xmlns:p="http://schemas.openxmlformats.org/presentationml/2006/main">
   <p:cSld>
     <p:spTree>
@@ -3796,7 +3866,7 @@
 </p:sld>
 </file>
 
-<file path=ppt/slides/slide11.xml><?xml version="1.0" encoding="utf-8"?>
+<file path=ppt/slides/slide12.xml><?xml version="1.0" encoding="utf-8"?>
 <p:sld xmlns:a="http://schemas.openxmlformats.org/drawingml/2006/main" xmlns:r="http://schemas.openxmlformats.org/officeDocument/2006/relationships" xmlns:p="http://schemas.openxmlformats.org/presentationml/2006/main">
   <p:cSld>
     <p:spTree>
@@ -4439,7 +4509,7 @@
 </p:sld>
 </file>
 
-<file path=ppt/slides/slide12.xml><?xml version="1.0" encoding="utf-8"?>
+<file path=ppt/slides/slide13.xml><?xml version="1.0" encoding="utf-8"?>
 <p:sld xmlns:a="http://schemas.openxmlformats.org/drawingml/2006/main" xmlns:r="http://schemas.openxmlformats.org/officeDocument/2006/relationships" xmlns:p="http://schemas.openxmlformats.org/presentationml/2006/main">
   <p:cSld>
     <p:spTree>
@@ -5068,7 +5138,7 @@
 </p:sld>
 </file>
 
-<file path=ppt/slides/slide13.xml><?xml version="1.0" encoding="utf-8"?>
+<file path=ppt/slides/slide14.xml><?xml version="1.0" encoding="utf-8"?>
 <p:sld xmlns:a="http://schemas.openxmlformats.org/drawingml/2006/main" xmlns:r="http://schemas.openxmlformats.org/officeDocument/2006/relationships" xmlns:p="http://schemas.openxmlformats.org/presentationml/2006/main">
   <p:cSld>
     <p:spTree>
@@ -5683,7 +5753,7 @@
 </p:sld>
 </file>
 
-<file path=ppt/slides/slide14.xml><?xml version="1.0" encoding="utf-8"?>
+<file path=ppt/slides/slide15.xml><?xml version="1.0" encoding="utf-8"?>
 <p:sld xmlns:a="http://schemas.openxmlformats.org/drawingml/2006/main" xmlns:r="http://schemas.openxmlformats.org/officeDocument/2006/relationships" xmlns:p="http://schemas.openxmlformats.org/presentationml/2006/main">
   <p:cSld>
     <p:spTree>
@@ -5743,7 +5813,7 @@
 </p:sld>
 </file>
 
-<file path=ppt/slides/slide15.xml><?xml version="1.0" encoding="utf-8"?>
+<file path=ppt/slides/slide16.xml><?xml version="1.0" encoding="utf-8"?>
 <p:sld xmlns:a="http://schemas.openxmlformats.org/drawingml/2006/main" xmlns:r="http://schemas.openxmlformats.org/officeDocument/2006/relationships" xmlns:p="http://schemas.openxmlformats.org/presentationml/2006/main">
   <p:cSld>
     <p:spTree>
@@ -5762,12 +5832,12 @@
       </p:grpSpPr>
       <p:sp>
         <p:nvSpPr>
-          <p:cNvPr id="2" name="Title 1"/>
+          <p:cNvPr id="5" name="Subtitle 4"/>
           <p:cNvSpPr>
             <a:spLocks noGrp="1"/>
           </p:cNvSpPr>
           <p:nvPr>
-            <p:ph type="title"/>
+            <p:ph type="subTitle" idx="1"/>
           </p:nvPr>
         </p:nvSpPr>
         <p:spPr/>
@@ -5775,54 +5845,52 @@
           <a:bodyPr/>
           <a:lstStyle/>
           <a:p>
-            <a:r>
-              <a:rPr lang="en-CA" dirty="0" smtClean="0"/>
-              <a:t>What if I want to check if a particular value is in the list?</a:t>
-            </a:r>
-            <a:endParaRPr lang="en-US" dirty="0"/>
+            <a:endParaRPr lang="en-US"/>
           </a:p>
         </p:txBody>
       </p:sp>
       <p:sp>
         <p:nvSpPr>
-          <p:cNvPr id="4" name="Text Placeholder 3"/>
+          <p:cNvPr id="4" name="Title 3"/>
           <p:cNvSpPr>
             <a:spLocks noGrp="1"/>
           </p:cNvSpPr>
           <p:nvPr>
-            <p:ph type="body" idx="1"/>
+            <p:ph type="ctrTitle"/>
           </p:nvPr>
         </p:nvSpPr>
-        <p:spPr/>
+        <p:spPr>
+          <a:xfrm>
+            <a:off x="193271" y="3362632"/>
+            <a:ext cx="8579886" cy="1656316"/>
+          </a:xfrm>
+        </p:spPr>
         <p:txBody>
           <a:bodyPr/>
           <a:lstStyle/>
           <a:p>
-            <a:endParaRPr lang="en-US"/>
+            <a:r>
+              <a:rPr lang="en-US" dirty="0" smtClean="0"/>
+              <a:t>Finding values</a:t>
+            </a:r>
+            <a:endParaRPr lang="en-US" dirty="0"/>
           </a:p>
         </p:txBody>
       </p:sp>
     </p:spTree>
     <p:extLst>
       <p:ext uri="{BB962C8B-B14F-4D97-AF65-F5344CB8AC3E}">
-        <p14:creationId xmlns:p14="http://schemas.microsoft.com/office/powerpoint/2010/main" val="1687424793"/>
+        <p14:creationId xmlns:p14="http://schemas.microsoft.com/office/powerpoint/2010/main" val="1927317992"/>
       </p:ext>
     </p:extLst>
   </p:cSld>
   <p:clrMapOvr>
     <a:masterClrMapping/>
   </p:clrMapOvr>
-  <p:timing>
-    <p:tnLst>
-      <p:par>
-        <p:cTn id="1" dur="indefinite" restart="never" nodeType="tmRoot"/>
-      </p:par>
-    </p:tnLst>
-  </p:timing>
 </p:sld>
 </file>
 
-<file path=ppt/slides/slide16.xml><?xml version="1.0" encoding="utf-8"?>
+<file path=ppt/slides/slide17.xml><?xml version="1.0" encoding="utf-8"?>
 <p:sld xmlns:a="http://schemas.openxmlformats.org/drawingml/2006/main" xmlns:r="http://schemas.openxmlformats.org/officeDocument/2006/relationships" xmlns:p="http://schemas.openxmlformats.org/presentationml/2006/main">
   <p:cSld>
     <p:spTree>
@@ -6420,7 +6488,7 @@
 </p:sld>
 </file>
 
-<file path=ppt/slides/slide17.xml><?xml version="1.0" encoding="utf-8"?>
+<file path=ppt/slides/slide18.xml><?xml version="1.0" encoding="utf-8"?>
 <p:sld xmlns:a="http://schemas.openxmlformats.org/drawingml/2006/main" xmlns:r="http://schemas.openxmlformats.org/officeDocument/2006/relationships" xmlns:p="http://schemas.openxmlformats.org/presentationml/2006/main">
   <p:cSld>
     <p:spTree>
@@ -6473,7 +6541,7 @@
 </p:sld>
 </file>
 
-<file path=ppt/slides/slide18.xml><?xml version="1.0" encoding="utf-8"?>
+<file path=ppt/slides/slide19.xml><?xml version="1.0" encoding="utf-8"?>
 <p:sld xmlns:a="http://schemas.openxmlformats.org/drawingml/2006/main" xmlns:r="http://schemas.openxmlformats.org/officeDocument/2006/relationships" xmlns:p="http://schemas.openxmlformats.org/presentationml/2006/main">
   <p:cSld>
     <p:spTree>
@@ -7100,87 +7168,6 @@
     <p:bldLst>
       <p:bldP spid="2" grpId="0"/>
     </p:bldLst>
-  </p:timing>
-</p:sld>
-</file>
-
-<file path=ppt/slides/slide19.xml><?xml version="1.0" encoding="utf-8"?>
-<p:sld xmlns:a="http://schemas.openxmlformats.org/drawingml/2006/main" xmlns:r="http://schemas.openxmlformats.org/officeDocument/2006/relationships" xmlns:p="http://schemas.openxmlformats.org/presentationml/2006/main">
-  <p:cSld>
-    <p:spTree>
-      <p:nvGrpSpPr>
-        <p:cNvPr id="1" name=""/>
-        <p:cNvGrpSpPr/>
-        <p:nvPr/>
-      </p:nvGrpSpPr>
-      <p:grpSpPr>
-        <a:xfrm>
-          <a:off x="0" y="0"/>
-          <a:ext cx="0" cy="0"/>
-          <a:chOff x="0" y="0"/>
-          <a:chExt cx="0" cy="0"/>
-        </a:xfrm>
-      </p:grpSpPr>
-      <p:sp>
-        <p:nvSpPr>
-          <p:cNvPr id="2" name="Title 1"/>
-          <p:cNvSpPr>
-            <a:spLocks noGrp="1"/>
-          </p:cNvSpPr>
-          <p:nvPr>
-            <p:ph type="title"/>
-          </p:nvPr>
-        </p:nvSpPr>
-        <p:spPr/>
-        <p:txBody>
-          <a:bodyPr>
-            <a:normAutofit/>
-          </a:bodyPr>
-          <a:lstStyle/>
-          <a:p>
-            <a:r>
-              <a:rPr lang="en-CA" dirty="0" smtClean="0"/>
-              <a:t>What if I want to see all the values in the list?</a:t>
-            </a:r>
-            <a:endParaRPr lang="en-US" dirty="0"/>
-          </a:p>
-        </p:txBody>
-      </p:sp>
-      <p:sp>
-        <p:nvSpPr>
-          <p:cNvPr id="3" name="Text Placeholder 2"/>
-          <p:cNvSpPr>
-            <a:spLocks noGrp="1"/>
-          </p:cNvSpPr>
-          <p:nvPr>
-            <p:ph type="body" idx="1"/>
-          </p:nvPr>
-        </p:nvSpPr>
-        <p:spPr/>
-        <p:txBody>
-          <a:bodyPr/>
-          <a:lstStyle/>
-          <a:p>
-            <a:endParaRPr lang="en-US" dirty="0"/>
-          </a:p>
-        </p:txBody>
-      </p:sp>
-    </p:spTree>
-    <p:extLst>
-      <p:ext uri="{BB962C8B-B14F-4D97-AF65-F5344CB8AC3E}">
-        <p14:creationId xmlns:p14="http://schemas.microsoft.com/office/powerpoint/2010/main" val="856336019"/>
-      </p:ext>
-    </p:extLst>
-  </p:cSld>
-  <p:clrMapOvr>
-    <a:masterClrMapping/>
-  </p:clrMapOvr>
-  <p:timing>
-    <p:tnLst>
-      <p:par>
-        <p:cTn id="1" dur="indefinite" restart="never" nodeType="tmRoot"/>
-      </p:par>
-    </p:tnLst>
   </p:timing>
 </p:sld>
 </file>
@@ -7474,6 +7461,83 @@
       </p:grpSpPr>
       <p:sp>
         <p:nvSpPr>
+          <p:cNvPr id="5" name="Subtitle 4"/>
+          <p:cNvSpPr>
+            <a:spLocks noGrp="1"/>
+          </p:cNvSpPr>
+          <p:nvPr>
+            <p:ph type="subTitle" idx="1"/>
+          </p:nvPr>
+        </p:nvSpPr>
+        <p:spPr/>
+        <p:txBody>
+          <a:bodyPr/>
+          <a:lstStyle/>
+          <a:p>
+            <a:endParaRPr lang="en-US"/>
+          </a:p>
+        </p:txBody>
+      </p:sp>
+      <p:sp>
+        <p:nvSpPr>
+          <p:cNvPr id="4" name="Title 3"/>
+          <p:cNvSpPr>
+            <a:spLocks noGrp="1"/>
+          </p:cNvSpPr>
+          <p:nvPr>
+            <p:ph type="ctrTitle"/>
+          </p:nvPr>
+        </p:nvSpPr>
+        <p:spPr>
+          <a:xfrm>
+            <a:off x="193271" y="3362632"/>
+            <a:ext cx="8579886" cy="1656316"/>
+          </a:xfrm>
+        </p:spPr>
+        <p:txBody>
+          <a:bodyPr/>
+          <a:lstStyle/>
+          <a:p>
+            <a:r>
+              <a:rPr lang="en-US" dirty="0" smtClean="0"/>
+              <a:t>Displaying list values</a:t>
+            </a:r>
+            <a:endParaRPr lang="en-US" dirty="0"/>
+          </a:p>
+        </p:txBody>
+      </p:sp>
+    </p:spTree>
+    <p:extLst>
+      <p:ext uri="{BB962C8B-B14F-4D97-AF65-F5344CB8AC3E}">
+        <p14:creationId xmlns:p14="http://schemas.microsoft.com/office/powerpoint/2010/main" val="1386051912"/>
+      </p:ext>
+    </p:extLst>
+  </p:cSld>
+  <p:clrMapOvr>
+    <a:masterClrMapping/>
+  </p:clrMapOvr>
+</p:sld>
+</file>
+
+<file path=ppt/slides/slide21.xml><?xml version="1.0" encoding="utf-8"?>
+<p:sld xmlns:a="http://schemas.openxmlformats.org/drawingml/2006/main" xmlns:r="http://schemas.openxmlformats.org/officeDocument/2006/relationships" xmlns:p="http://schemas.openxmlformats.org/presentationml/2006/main">
+  <p:cSld>
+    <p:spTree>
+      <p:nvGrpSpPr>
+        <p:cNvPr id="1" name=""/>
+        <p:cNvGrpSpPr/>
+        <p:nvPr/>
+      </p:nvGrpSpPr>
+      <p:grpSpPr>
+        <a:xfrm>
+          <a:off x="0" y="0"/>
+          <a:ext cx="0" cy="0"/>
+          <a:chOff x="0" y="0"/>
+          <a:chExt cx="0" cy="0"/>
+        </a:xfrm>
+      </p:grpSpPr>
+      <p:sp>
+        <p:nvSpPr>
           <p:cNvPr id="4" name="Title 3"/>
           <p:cNvSpPr>
             <a:spLocks noGrp="1"/>
@@ -8114,7 +8178,7 @@
 </p:sld>
 </file>
 
-<file path=ppt/slides/slide21.xml><?xml version="1.0" encoding="utf-8"?>
+<file path=ppt/slides/slide22.xml><?xml version="1.0" encoding="utf-8"?>
 <p:sld xmlns:a="http://schemas.openxmlformats.org/drawingml/2006/main" xmlns:r="http://schemas.openxmlformats.org/officeDocument/2006/relationships" xmlns:p="http://schemas.openxmlformats.org/presentationml/2006/main">
   <p:cSld>
     <p:spTree>
@@ -8167,7 +8231,7 @@
 </p:sld>
 </file>
 
-<file path=ppt/slides/slide22.xml><?xml version="1.0" encoding="utf-8"?>
+<file path=ppt/slides/slide23.xml><?xml version="1.0" encoding="utf-8"?>
 <p:sld xmlns:a="http://schemas.openxmlformats.org/drawingml/2006/main" xmlns:r="http://schemas.openxmlformats.org/officeDocument/2006/relationships" xmlns:p="http://schemas.openxmlformats.org/presentationml/2006/main">
   <p:cSld>
     <p:spTree>
@@ -8248,7 +8312,7 @@
 </p:sld>
 </file>
 
-<file path=ppt/slides/slide23.xml><?xml version="1.0" encoding="utf-8"?>
+<file path=ppt/slides/slide24.xml><?xml version="1.0" encoding="utf-8"?>
 <p:sld xmlns:a="http://schemas.openxmlformats.org/drawingml/2006/main" xmlns:r="http://schemas.openxmlformats.org/officeDocument/2006/relationships" xmlns:p="http://schemas.openxmlformats.org/presentationml/2006/main">
   <p:cSld>
     <p:spTree>
@@ -8933,7 +8997,7 @@
 </p:sld>
 </file>
 
-<file path=ppt/slides/slide24.xml><?xml version="1.0" encoding="utf-8"?>
+<file path=ppt/slides/slide25.xml><?xml version="1.0" encoding="utf-8"?>
 <p:sld xmlns:a="http://schemas.openxmlformats.org/drawingml/2006/main" xmlns:r="http://schemas.openxmlformats.org/officeDocument/2006/relationships" xmlns:p="http://schemas.openxmlformats.org/presentationml/2006/main">
   <p:cSld>
     <p:spTree>
@@ -9016,7 +9080,7 @@
 </p:sld>
 </file>
 
-<file path=ppt/slides/slide25.xml><?xml version="1.0" encoding="utf-8"?>
+<file path=ppt/slides/slide26.xml><?xml version="1.0" encoding="utf-8"?>
 <p:sld xmlns:a="http://schemas.openxmlformats.org/drawingml/2006/main" xmlns:r="http://schemas.openxmlformats.org/officeDocument/2006/relationships" xmlns:p="http://schemas.openxmlformats.org/presentationml/2006/main">
   <p:cSld>
     <p:spTree>
@@ -9695,85 +9759,6 @@
     <p:extLst>
       <p:ext uri="{BB962C8B-B14F-4D97-AF65-F5344CB8AC3E}">
         <p14:creationId xmlns:p14="http://schemas.microsoft.com/office/powerpoint/2010/main" val="1654648804"/>
-      </p:ext>
-    </p:extLst>
-  </p:cSld>
-  <p:clrMapOvr>
-    <a:masterClrMapping/>
-  </p:clrMapOvr>
-  <p:timing>
-    <p:tnLst>
-      <p:par>
-        <p:cTn id="1" dur="indefinite" restart="never" nodeType="tmRoot"/>
-      </p:par>
-    </p:tnLst>
-  </p:timing>
-</p:sld>
-</file>
-
-<file path=ppt/slides/slide26.xml><?xml version="1.0" encoding="utf-8"?>
-<p:sld xmlns:a="http://schemas.openxmlformats.org/drawingml/2006/main" xmlns:r="http://schemas.openxmlformats.org/officeDocument/2006/relationships" xmlns:p="http://schemas.openxmlformats.org/presentationml/2006/main">
-  <p:cSld>
-    <p:spTree>
-      <p:nvGrpSpPr>
-        <p:cNvPr id="1" name=""/>
-        <p:cNvGrpSpPr/>
-        <p:nvPr/>
-      </p:nvGrpSpPr>
-      <p:grpSpPr>
-        <a:xfrm>
-          <a:off x="0" y="0"/>
-          <a:ext cx="0" cy="0"/>
-          <a:chOff x="0" y="0"/>
-          <a:chExt cx="0" cy="0"/>
-        </a:xfrm>
-      </p:grpSpPr>
-      <p:sp>
-        <p:nvSpPr>
-          <p:cNvPr id="4" name="Title 3"/>
-          <p:cNvSpPr>
-            <a:spLocks noGrp="1"/>
-          </p:cNvSpPr>
-          <p:nvPr>
-            <p:ph type="title"/>
-          </p:nvPr>
-        </p:nvSpPr>
-        <p:spPr/>
-        <p:txBody>
-          <a:bodyPr/>
-          <a:lstStyle/>
-          <a:p>
-            <a:r>
-              <a:rPr lang="en-CA" dirty="0" smtClean="0"/>
-              <a:t>Want to sort your list?</a:t>
-            </a:r>
-            <a:endParaRPr lang="en-US" dirty="0"/>
-          </a:p>
-        </p:txBody>
-      </p:sp>
-      <p:sp>
-        <p:nvSpPr>
-          <p:cNvPr id="5" name="Text Placeholder 4"/>
-          <p:cNvSpPr>
-            <a:spLocks noGrp="1"/>
-          </p:cNvSpPr>
-          <p:nvPr>
-            <p:ph type="body" idx="1"/>
-          </p:nvPr>
-        </p:nvSpPr>
-        <p:spPr/>
-        <p:txBody>
-          <a:bodyPr/>
-          <a:lstStyle/>
-          <a:p>
-            <a:endParaRPr lang="en-US"/>
-          </a:p>
-        </p:txBody>
-      </p:sp>
-    </p:spTree>
-    <p:extLst>
-      <p:ext uri="{BB962C8B-B14F-4D97-AF65-F5344CB8AC3E}">
-        <p14:creationId xmlns:p14="http://schemas.microsoft.com/office/powerpoint/2010/main" val="4063901382"/>
       </p:ext>
     </p:extLst>
   </p:cSld>
@@ -9824,7 +9809,7 @@
           <a:p>
             <a:r>
               <a:rPr lang="en-CA" dirty="0" smtClean="0"/>
-              <a:t>You can sort your list with the sort() function</a:t>
+              <a:t>Want to sort your list?</a:t>
             </a:r>
             <a:endParaRPr lang="en-US" dirty="0"/>
           </a:p>
@@ -9832,573 +9817,27 @@
       </p:sp>
       <p:sp>
         <p:nvSpPr>
-          <p:cNvPr id="6" name="Rectangle 1"/>
+          <p:cNvPr id="5" name="Text Placeholder 4"/>
           <p:cNvSpPr>
-            <a:spLocks noGrp="1" noChangeArrowheads="1"/>
+            <a:spLocks noGrp="1"/>
           </p:cNvSpPr>
           <p:nvPr>
-            <p:ph sz="quarter" idx="10"/>
+            <p:ph type="body" idx="1"/>
           </p:nvPr>
         </p:nvSpPr>
-        <p:spPr bwMode="auto">
-          <a:xfrm>
-            <a:off x="379514" y="1501707"/>
-            <a:ext cx="9648795" cy="3539430"/>
-          </a:xfrm>
-          <a:prstGeom prst="rect">
-            <a:avLst/>
-          </a:prstGeom>
-          <a:solidFill>
-            <a:srgbClr val="FFFFFF"/>
-          </a:solidFill>
-          <a:ln>
-            <a:noFill/>
-          </a:ln>
-          <a:effectLst/>
-          <a:extLst>
-            <a:ext uri="{91240B29-F687-4F45-9708-019B960494DF}">
-              <a14:hiddenLine xmlns:a14="http://schemas.microsoft.com/office/drawing/2010/main" w="9525">
-                <a:solidFill>
-                  <a:schemeClr val="tx1"/>
-                </a:solidFill>
-                <a:miter lim="800000"/>
-                <a:headEnd/>
-                <a:tailEnd/>
-              </a14:hiddenLine>
-            </a:ext>
-            <a:ext uri="{AF507438-7753-43E0-B8FC-AC1667EBCBE1}">
-              <a14:hiddenEffects xmlns:a14="http://schemas.microsoft.com/office/drawing/2010/main">
-                <a:effectLst>
-                  <a:outerShdw dist="35921" dir="2700000" algn="ctr" rotWithShape="0">
-                    <a:schemeClr val="bg2"/>
-                  </a:outerShdw>
-                </a:effectLst>
-              </a14:hiddenEffects>
-            </a:ext>
-          </a:extLst>
-        </p:spPr>
+        <p:spPr/>
         <p:txBody>
-          <a:bodyPr vert="horz" wrap="none" lIns="91440" tIns="45720" rIns="91440" bIns="45720" numCol="1" anchor="ctr" anchorCtr="0" compatLnSpc="1">
-            <a:prstTxWarp prst="textNoShape">
-              <a:avLst/>
-            </a:prstTxWarp>
-            <a:spAutoFit/>
-          </a:bodyPr>
+          <a:bodyPr/>
           <a:lstStyle/>
           <a:p>
-            <a:pPr marL="0" marR="0" lvl="0" indent="0" algn="l" defTabSz="914400" rtl="0" eaLnBrk="0" fontAlgn="base" latinLnBrk="0" hangingPunct="0">
-              <a:lnSpc>
-                <a:spcPct val="100000"/>
-              </a:lnSpc>
-              <a:spcBef>
-                <a:spcPct val="0"/>
-              </a:spcBef>
-              <a:spcAft>
-                <a:spcPct val="0"/>
-              </a:spcAft>
-              <a:buClrTx/>
-              <a:buSzTx/>
-              <a:buFontTx/>
-              <a:buNone/>
-              <a:tabLst/>
-            </a:pPr>
-            <a:r>
-              <a:rPr kumimoji="0" lang="en-US" altLang="en-US" sz="2800" b="0" i="0" u="none" strike="noStrike" cap="none" normalizeH="0" baseline="0" dirty="0" smtClean="0">
-                <a:ln>
-                  <a:noFill/>
-                </a:ln>
-                <a:solidFill>
-                  <a:srgbClr val="000000"/>
-                </a:solidFill>
-                <a:effectLst/>
-                <a:latin typeface="Consolas" panose="020B0609020204030204" pitchFamily="49" charset="0"/>
-                <a:cs typeface="Consolas" panose="020B0609020204030204" pitchFamily="49" charset="0"/>
-              </a:rPr>
-              <a:t>guests = [</a:t>
-            </a:r>
-            <a:r>
-              <a:rPr kumimoji="0" lang="en-US" altLang="en-US" sz="2800" b="0" i="0" u="none" strike="noStrike" cap="none" normalizeH="0" baseline="0" dirty="0" smtClean="0">
-                <a:ln>
-                  <a:noFill/>
-                </a:ln>
-                <a:solidFill>
-                  <a:srgbClr val="A31515"/>
-                </a:solidFill>
-                <a:effectLst/>
-                <a:latin typeface="Consolas" panose="020B0609020204030204" pitchFamily="49" charset="0"/>
-                <a:cs typeface="Consolas" panose="020B0609020204030204" pitchFamily="49" charset="0"/>
-              </a:rPr>
-              <a:t>'</a:t>
-            </a:r>
-            <a:r>
-              <a:rPr kumimoji="0" lang="en-US" altLang="en-US" sz="2800" b="0" i="0" u="none" strike="noStrike" cap="none" normalizeH="0" baseline="0" dirty="0" err="1" smtClean="0">
-                <a:ln>
-                  <a:noFill/>
-                </a:ln>
-                <a:solidFill>
-                  <a:srgbClr val="A31515"/>
-                </a:solidFill>
-                <a:effectLst/>
-                <a:latin typeface="Consolas" panose="020B0609020204030204" pitchFamily="49" charset="0"/>
-                <a:cs typeface="Consolas" panose="020B0609020204030204" pitchFamily="49" charset="0"/>
-              </a:rPr>
-              <a:t>Christopher'</a:t>
-            </a:r>
-            <a:r>
-              <a:rPr kumimoji="0" lang="en-US" altLang="en-US" sz="2800" b="0" i="0" u="none" strike="noStrike" cap="none" normalizeH="0" baseline="0" dirty="0" err="1" smtClean="0">
-                <a:ln>
-                  <a:noFill/>
-                </a:ln>
-                <a:solidFill>
-                  <a:srgbClr val="000000"/>
-                </a:solidFill>
-                <a:effectLst/>
-                <a:latin typeface="Consolas" panose="020B0609020204030204" pitchFamily="49" charset="0"/>
-                <a:cs typeface="Consolas" panose="020B0609020204030204" pitchFamily="49" charset="0"/>
-              </a:rPr>
-              <a:t>,</a:t>
-            </a:r>
-            <a:r>
-              <a:rPr kumimoji="0" lang="en-US" altLang="en-US" sz="2800" b="0" i="0" u="none" strike="noStrike" cap="none" normalizeH="0" baseline="0" dirty="0" err="1" smtClean="0">
-                <a:ln>
-                  <a:noFill/>
-                </a:ln>
-                <a:solidFill>
-                  <a:srgbClr val="A31515"/>
-                </a:solidFill>
-                <a:effectLst/>
-                <a:latin typeface="Consolas" panose="020B0609020204030204" pitchFamily="49" charset="0"/>
-                <a:cs typeface="Consolas" panose="020B0609020204030204" pitchFamily="49" charset="0"/>
-              </a:rPr>
-              <a:t>'Susan'</a:t>
-            </a:r>
-            <a:r>
-              <a:rPr kumimoji="0" lang="en-US" altLang="en-US" sz="2800" b="0" i="0" u="none" strike="noStrike" cap="none" normalizeH="0" baseline="0" dirty="0" err="1" smtClean="0">
-                <a:ln>
-                  <a:noFill/>
-                </a:ln>
-                <a:solidFill>
-                  <a:srgbClr val="000000"/>
-                </a:solidFill>
-                <a:effectLst/>
-                <a:latin typeface="Consolas" panose="020B0609020204030204" pitchFamily="49" charset="0"/>
-                <a:cs typeface="Consolas" panose="020B0609020204030204" pitchFamily="49" charset="0"/>
-              </a:rPr>
-              <a:t>,</a:t>
-            </a:r>
-            <a:r>
-              <a:rPr kumimoji="0" lang="en-US" altLang="en-US" sz="2800" b="0" i="0" u="none" strike="noStrike" cap="none" normalizeH="0" baseline="0" dirty="0" err="1" smtClean="0">
-                <a:ln>
-                  <a:noFill/>
-                </a:ln>
-                <a:solidFill>
-                  <a:srgbClr val="A31515"/>
-                </a:solidFill>
-                <a:effectLst/>
-                <a:latin typeface="Consolas" panose="020B0609020204030204" pitchFamily="49" charset="0"/>
-                <a:cs typeface="Consolas" panose="020B0609020204030204" pitchFamily="49" charset="0"/>
-              </a:rPr>
-              <a:t>'Bill'</a:t>
-            </a:r>
-            <a:r>
-              <a:rPr kumimoji="0" lang="en-US" altLang="en-US" sz="2800" b="0" i="0" u="none" strike="noStrike" cap="none" normalizeH="0" baseline="0" dirty="0" err="1" smtClean="0">
-                <a:ln>
-                  <a:noFill/>
-                </a:ln>
-                <a:solidFill>
-                  <a:srgbClr val="000000"/>
-                </a:solidFill>
-                <a:effectLst/>
-                <a:latin typeface="Consolas" panose="020B0609020204030204" pitchFamily="49" charset="0"/>
-                <a:cs typeface="Consolas" panose="020B0609020204030204" pitchFamily="49" charset="0"/>
-              </a:rPr>
-              <a:t>,</a:t>
-            </a:r>
-            <a:r>
-              <a:rPr kumimoji="0" lang="en-US" altLang="en-US" sz="2800" b="0" i="0" u="none" strike="noStrike" cap="none" normalizeH="0" baseline="0" dirty="0" err="1" smtClean="0">
-                <a:ln>
-                  <a:noFill/>
-                </a:ln>
-                <a:solidFill>
-                  <a:srgbClr val="A31515"/>
-                </a:solidFill>
-                <a:effectLst/>
-                <a:latin typeface="Consolas" panose="020B0609020204030204" pitchFamily="49" charset="0"/>
-                <a:cs typeface="Consolas" panose="020B0609020204030204" pitchFamily="49" charset="0"/>
-              </a:rPr>
-              <a:t>'Satya</a:t>
-            </a:r>
-            <a:r>
-              <a:rPr kumimoji="0" lang="en-US" altLang="en-US" sz="2800" b="0" i="0" u="none" strike="noStrike" cap="none" normalizeH="0" baseline="0" dirty="0" smtClean="0">
-                <a:ln>
-                  <a:noFill/>
-                </a:ln>
-                <a:solidFill>
-                  <a:srgbClr val="A31515"/>
-                </a:solidFill>
-                <a:effectLst/>
-                <a:latin typeface="Consolas" panose="020B0609020204030204" pitchFamily="49" charset="0"/>
-                <a:cs typeface="Consolas" panose="020B0609020204030204" pitchFamily="49" charset="0"/>
-              </a:rPr>
-              <a:t>'</a:t>
-            </a:r>
-            <a:r>
-              <a:rPr kumimoji="0" lang="en-US" altLang="en-US" sz="2800" b="0" i="0" u="none" strike="noStrike" cap="none" normalizeH="0" baseline="0" dirty="0" smtClean="0">
-                <a:ln>
-                  <a:noFill/>
-                </a:ln>
-                <a:solidFill>
-                  <a:srgbClr val="000000"/>
-                </a:solidFill>
-                <a:effectLst/>
-                <a:latin typeface="Consolas" panose="020B0609020204030204" pitchFamily="49" charset="0"/>
-                <a:cs typeface="Consolas" panose="020B0609020204030204" pitchFamily="49" charset="0"/>
-              </a:rPr>
-              <a:t>] </a:t>
-            </a:r>
-          </a:p>
-          <a:p>
-            <a:pPr marL="0" marR="0" lvl="0" indent="0" algn="l" defTabSz="914400" rtl="0" eaLnBrk="0" fontAlgn="base" latinLnBrk="0" hangingPunct="0">
-              <a:lnSpc>
-                <a:spcPct val="100000"/>
-              </a:lnSpc>
-              <a:spcBef>
-                <a:spcPct val="0"/>
-              </a:spcBef>
-              <a:spcAft>
-                <a:spcPct val="0"/>
-              </a:spcAft>
-              <a:buClrTx/>
-              <a:buSzTx/>
-              <a:buFontTx/>
-              <a:buNone/>
-              <a:tabLst/>
-            </a:pPr>
-            <a:endParaRPr kumimoji="0" lang="en-US" altLang="en-US" sz="2800" b="0" i="0" u="none" strike="noStrike" cap="none" normalizeH="0" baseline="0" dirty="0" smtClean="0">
-              <a:ln>
-                <a:noFill/>
-              </a:ln>
-              <a:solidFill>
-                <a:srgbClr val="008000"/>
-              </a:solidFill>
-              <a:effectLst/>
-              <a:latin typeface="Consolas" panose="020B0609020204030204" pitchFamily="49" charset="0"/>
-              <a:cs typeface="Consolas" panose="020B0609020204030204" pitchFamily="49" charset="0"/>
-            </a:endParaRPr>
-          </a:p>
-          <a:p>
-            <a:pPr marL="0" marR="0" lvl="0" indent="0" algn="l" defTabSz="914400" rtl="0" eaLnBrk="0" fontAlgn="base" latinLnBrk="0" hangingPunct="0">
-              <a:lnSpc>
-                <a:spcPct val="100000"/>
-              </a:lnSpc>
-              <a:spcBef>
-                <a:spcPct val="0"/>
-              </a:spcBef>
-              <a:spcAft>
-                <a:spcPct val="0"/>
-              </a:spcAft>
-              <a:buClrTx/>
-              <a:buSzTx/>
-              <a:buFontTx/>
-              <a:buNone/>
-              <a:tabLst/>
-            </a:pPr>
-            <a:r>
-              <a:rPr kumimoji="0" lang="en-US" altLang="en-US" sz="2800" b="0" i="0" u="none" strike="noStrike" cap="none" normalizeH="0" baseline="0" dirty="0" smtClean="0">
-                <a:ln>
-                  <a:noFill/>
-                </a:ln>
-                <a:solidFill>
-                  <a:srgbClr val="008000"/>
-                </a:solidFill>
-                <a:effectLst/>
-                <a:latin typeface="Consolas" panose="020B0609020204030204" pitchFamily="49" charset="0"/>
-                <a:cs typeface="Consolas" panose="020B0609020204030204" pitchFamily="49" charset="0"/>
-              </a:rPr>
-              <a:t>#Sort the names in alphabetical order</a:t>
-            </a:r>
-            <a:r>
-              <a:rPr kumimoji="0" lang="en-US" altLang="en-US" sz="2800" b="0" i="0" u="none" strike="noStrike" cap="none" normalizeH="0" baseline="0" dirty="0" smtClean="0">
-                <a:ln>
-                  <a:noFill/>
-                </a:ln>
-                <a:solidFill>
-                  <a:srgbClr val="000000"/>
-                </a:solidFill>
-                <a:effectLst/>
-                <a:latin typeface="Consolas" panose="020B0609020204030204" pitchFamily="49" charset="0"/>
-                <a:cs typeface="Consolas" panose="020B0609020204030204" pitchFamily="49" charset="0"/>
-              </a:rPr>
-              <a:t> </a:t>
-            </a:r>
-          </a:p>
-          <a:p>
-            <a:pPr marL="0" marR="0" lvl="0" indent="0" algn="l" defTabSz="914400" rtl="0" eaLnBrk="0" fontAlgn="base" latinLnBrk="0" hangingPunct="0">
-              <a:lnSpc>
-                <a:spcPct val="100000"/>
-              </a:lnSpc>
-              <a:spcBef>
-                <a:spcPct val="0"/>
-              </a:spcBef>
-              <a:spcAft>
-                <a:spcPct val="0"/>
-              </a:spcAft>
-              <a:buClrTx/>
-              <a:buSzTx/>
-              <a:buFontTx/>
-              <a:buNone/>
-              <a:tabLst/>
-            </a:pPr>
-            <a:r>
-              <a:rPr kumimoji="0" lang="en-US" altLang="en-US" sz="2800" b="0" i="0" u="none" strike="noStrike" cap="none" normalizeH="0" baseline="0" dirty="0" err="1" smtClean="0">
-                <a:ln>
-                  <a:noFill/>
-                </a:ln>
-                <a:solidFill>
-                  <a:srgbClr val="000000"/>
-                </a:solidFill>
-                <a:effectLst/>
-                <a:latin typeface="Consolas" panose="020B0609020204030204" pitchFamily="49" charset="0"/>
-                <a:cs typeface="Consolas" panose="020B0609020204030204" pitchFamily="49" charset="0"/>
-              </a:rPr>
-              <a:t>guests.sort</a:t>
-            </a:r>
-            <a:r>
-              <a:rPr kumimoji="0" lang="en-US" altLang="en-US" sz="2800" b="0" i="0" u="none" strike="noStrike" cap="none" normalizeH="0" baseline="0" dirty="0" smtClean="0">
-                <a:ln>
-                  <a:noFill/>
-                </a:ln>
-                <a:solidFill>
-                  <a:srgbClr val="000000"/>
-                </a:solidFill>
-                <a:effectLst/>
-                <a:latin typeface="Consolas" panose="020B0609020204030204" pitchFamily="49" charset="0"/>
-                <a:cs typeface="Consolas" panose="020B0609020204030204" pitchFamily="49" charset="0"/>
-              </a:rPr>
-              <a:t>() </a:t>
-            </a:r>
-          </a:p>
-          <a:p>
-            <a:pPr marL="0" marR="0" lvl="0" indent="0" algn="l" defTabSz="914400" rtl="0" eaLnBrk="0" fontAlgn="base" latinLnBrk="0" hangingPunct="0">
-              <a:lnSpc>
-                <a:spcPct val="100000"/>
-              </a:lnSpc>
-              <a:spcBef>
-                <a:spcPct val="0"/>
-              </a:spcBef>
-              <a:spcAft>
-                <a:spcPct val="0"/>
-              </a:spcAft>
-              <a:buClrTx/>
-              <a:buSzTx/>
-              <a:buFontTx/>
-              <a:buNone/>
-              <a:tabLst/>
-            </a:pPr>
-            <a:endParaRPr kumimoji="0" lang="en-US" altLang="en-US" sz="2800" b="0" i="0" u="none" strike="noStrike" cap="none" normalizeH="0" baseline="0" dirty="0" smtClean="0">
-              <a:ln>
-                <a:noFill/>
-              </a:ln>
-              <a:solidFill>
-                <a:srgbClr val="008000"/>
-              </a:solidFill>
-              <a:effectLst/>
-              <a:latin typeface="Consolas" panose="020B0609020204030204" pitchFamily="49" charset="0"/>
-              <a:cs typeface="Consolas" panose="020B0609020204030204" pitchFamily="49" charset="0"/>
-            </a:endParaRPr>
-          </a:p>
-          <a:p>
-            <a:pPr marL="0" marR="0" lvl="0" indent="0" algn="l" defTabSz="914400" rtl="0" eaLnBrk="0" fontAlgn="base" latinLnBrk="0" hangingPunct="0">
-              <a:lnSpc>
-                <a:spcPct val="100000"/>
-              </a:lnSpc>
-              <a:spcBef>
-                <a:spcPct val="0"/>
-              </a:spcBef>
-              <a:spcAft>
-                <a:spcPct val="0"/>
-              </a:spcAft>
-              <a:buClrTx/>
-              <a:buSzTx/>
-              <a:buFontTx/>
-              <a:buNone/>
-              <a:tabLst/>
-            </a:pPr>
-            <a:r>
-              <a:rPr kumimoji="0" lang="en-US" altLang="en-US" sz="2800" b="0" i="0" u="none" strike="noStrike" cap="none" normalizeH="0" baseline="0" dirty="0" smtClean="0">
-                <a:ln>
-                  <a:noFill/>
-                </a:ln>
-                <a:solidFill>
-                  <a:srgbClr val="008000"/>
-                </a:solidFill>
-                <a:effectLst/>
-                <a:latin typeface="Consolas" panose="020B0609020204030204" pitchFamily="49" charset="0"/>
-                <a:cs typeface="Consolas" panose="020B0609020204030204" pitchFamily="49" charset="0"/>
-              </a:rPr>
-              <a:t>#print the list</a:t>
-            </a:r>
-            <a:r>
-              <a:rPr kumimoji="0" lang="en-US" altLang="en-US" sz="2800" b="0" i="0" u="none" strike="noStrike" cap="none" normalizeH="0" baseline="0" dirty="0" smtClean="0">
-                <a:ln>
-                  <a:noFill/>
-                </a:ln>
-                <a:solidFill>
-                  <a:srgbClr val="000000"/>
-                </a:solidFill>
-                <a:effectLst/>
-                <a:latin typeface="Consolas" panose="020B0609020204030204" pitchFamily="49" charset="0"/>
-                <a:cs typeface="Consolas" panose="020B0609020204030204" pitchFamily="49" charset="0"/>
-              </a:rPr>
-              <a:t> </a:t>
-            </a:r>
-          </a:p>
-          <a:p>
-            <a:pPr marL="0" marR="0" lvl="0" indent="0" algn="l" defTabSz="914400" rtl="0" eaLnBrk="0" fontAlgn="base" latinLnBrk="0" hangingPunct="0">
-              <a:lnSpc>
-                <a:spcPct val="100000"/>
-              </a:lnSpc>
-              <a:spcBef>
-                <a:spcPct val="0"/>
-              </a:spcBef>
-              <a:spcAft>
-                <a:spcPct val="0"/>
-              </a:spcAft>
-              <a:buClrTx/>
-              <a:buSzTx/>
-              <a:buFontTx/>
-              <a:buNone/>
-              <a:tabLst/>
-            </a:pPr>
-            <a:r>
-              <a:rPr kumimoji="0" lang="en-US" altLang="en-US" sz="2800" b="0" i="0" u="none" strike="noStrike" cap="none" normalizeH="0" baseline="0" dirty="0" smtClean="0">
-                <a:ln>
-                  <a:noFill/>
-                </a:ln>
-                <a:solidFill>
-                  <a:srgbClr val="0000FF"/>
-                </a:solidFill>
-                <a:effectLst/>
-                <a:latin typeface="Consolas" panose="020B0609020204030204" pitchFamily="49" charset="0"/>
-                <a:cs typeface="Consolas" panose="020B0609020204030204" pitchFamily="49" charset="0"/>
-              </a:rPr>
-              <a:t>for</a:t>
-            </a:r>
-            <a:r>
-              <a:rPr kumimoji="0" lang="en-US" altLang="en-US" sz="2800" b="0" i="0" u="none" strike="noStrike" cap="none" normalizeH="0" baseline="0" dirty="0" smtClean="0">
-                <a:ln>
-                  <a:noFill/>
-                </a:ln>
-                <a:solidFill>
-                  <a:srgbClr val="000000"/>
-                </a:solidFill>
-                <a:effectLst/>
-                <a:latin typeface="Consolas" panose="020B0609020204030204" pitchFamily="49" charset="0"/>
-                <a:cs typeface="Consolas" panose="020B0609020204030204" pitchFamily="49" charset="0"/>
-              </a:rPr>
-              <a:t> guest </a:t>
-            </a:r>
-            <a:r>
-              <a:rPr kumimoji="0" lang="en-US" altLang="en-US" sz="2800" b="0" i="0" u="none" strike="noStrike" cap="none" normalizeH="0" baseline="0" dirty="0" smtClean="0">
-                <a:ln>
-                  <a:noFill/>
-                </a:ln>
-                <a:solidFill>
-                  <a:srgbClr val="0000FF"/>
-                </a:solidFill>
-                <a:effectLst/>
-                <a:latin typeface="Consolas" panose="020B0609020204030204" pitchFamily="49" charset="0"/>
-                <a:cs typeface="Consolas" panose="020B0609020204030204" pitchFamily="49" charset="0"/>
-              </a:rPr>
-              <a:t>in</a:t>
-            </a:r>
-            <a:r>
-              <a:rPr kumimoji="0" lang="en-US" altLang="en-US" sz="2800" b="0" i="0" u="none" strike="noStrike" cap="none" normalizeH="0" baseline="0" dirty="0" smtClean="0">
-                <a:ln>
-                  <a:noFill/>
-                </a:ln>
-                <a:solidFill>
-                  <a:srgbClr val="000000"/>
-                </a:solidFill>
-                <a:effectLst/>
-                <a:latin typeface="Consolas" panose="020B0609020204030204" pitchFamily="49" charset="0"/>
-                <a:cs typeface="Consolas" panose="020B0609020204030204" pitchFamily="49" charset="0"/>
-              </a:rPr>
-              <a:t> guests :</a:t>
-            </a:r>
-          </a:p>
-          <a:p>
-            <a:pPr marL="0" marR="0" lvl="0" indent="0" algn="l" defTabSz="914400" rtl="0" eaLnBrk="0" fontAlgn="base" latinLnBrk="0" hangingPunct="0">
-              <a:lnSpc>
-                <a:spcPct val="100000"/>
-              </a:lnSpc>
-              <a:spcBef>
-                <a:spcPct val="0"/>
-              </a:spcBef>
-              <a:spcAft>
-                <a:spcPct val="0"/>
-              </a:spcAft>
-              <a:buClrTx/>
-              <a:buSzTx/>
-              <a:buFontTx/>
-              <a:buNone/>
-              <a:tabLst/>
-            </a:pPr>
-            <a:r>
-              <a:rPr kumimoji="0" lang="en-US" altLang="en-US" sz="2800" b="0" i="0" u="none" strike="noStrike" cap="none" normalizeH="0" baseline="0" dirty="0" smtClean="0">
-                <a:ln>
-                  <a:noFill/>
-                </a:ln>
-                <a:solidFill>
-                  <a:srgbClr val="000000"/>
-                </a:solidFill>
-                <a:effectLst/>
-                <a:latin typeface="Consolas" panose="020B0609020204030204" pitchFamily="49" charset="0"/>
-                <a:cs typeface="Consolas" panose="020B0609020204030204" pitchFamily="49" charset="0"/>
-              </a:rPr>
-              <a:t>     print(guest)</a:t>
-            </a:r>
-            <a:endParaRPr kumimoji="0" lang="en-US" altLang="en-US" sz="2800" b="0" i="0" u="none" strike="noStrike" cap="none" normalizeH="0" baseline="0" dirty="0" smtClean="0">
-              <a:ln>
-                <a:noFill/>
-              </a:ln>
-              <a:solidFill>
-                <a:schemeClr val="tx1"/>
-              </a:solidFill>
-              <a:effectLst/>
-              <a:latin typeface="Arial" panose="020B0604020202020204" pitchFamily="34" charset="0"/>
-            </a:endParaRPr>
+            <a:endParaRPr lang="en-US"/>
           </a:p>
         </p:txBody>
       </p:sp>
-      <p:pic>
-        <p:nvPicPr>
-          <p:cNvPr id="7" name="Picture 6"/>
-          <p:cNvPicPr>
-            <a:picLocks noChangeAspect="1"/>
-          </p:cNvPicPr>
-          <p:nvPr/>
-        </p:nvPicPr>
-        <p:blipFill>
-          <a:blip r:embed="rId2"/>
-          <a:stretch>
-            <a:fillRect/>
-          </a:stretch>
-        </p:blipFill>
-        <p:spPr>
-          <a:xfrm>
-            <a:off x="6442074" y="4382739"/>
-            <a:ext cx="5940425" cy="2924981"/>
-          </a:xfrm>
-          <a:prstGeom prst="rect">
-            <a:avLst/>
-          </a:prstGeom>
-        </p:spPr>
-      </p:pic>
     </p:spTree>
     <p:extLst>
       <p:ext uri="{BB962C8B-B14F-4D97-AF65-F5344CB8AC3E}">
-        <p14:creationId xmlns:p14="http://schemas.microsoft.com/office/powerpoint/2010/main" val="293036142"/>
+        <p14:creationId xmlns:p14="http://schemas.microsoft.com/office/powerpoint/2010/main" val="4063901382"/>
       </p:ext>
     </p:extLst>
   </p:cSld>
@@ -10449,20 +9888,581 @@
           <a:p>
             <a:r>
               <a:rPr lang="en-CA" dirty="0" smtClean="0"/>
-              <a:t>Sort a </a:t>
-            </a:r>
-            <a:r>
-              <a:rPr lang="en-CA" dirty="0" smtClean="0"/>
-              <a:t>list and print the results</a:t>
+              <a:t>You can sort your list with the sort() function</a:t>
             </a:r>
             <a:endParaRPr lang="en-US" dirty="0"/>
           </a:p>
         </p:txBody>
       </p:sp>
+      <p:sp>
+        <p:nvSpPr>
+          <p:cNvPr id="6" name="Rectangle 1"/>
+          <p:cNvSpPr>
+            <a:spLocks noGrp="1" noChangeArrowheads="1"/>
+          </p:cNvSpPr>
+          <p:nvPr>
+            <p:ph sz="quarter" idx="10"/>
+          </p:nvPr>
+        </p:nvSpPr>
+        <p:spPr bwMode="auto">
+          <a:xfrm>
+            <a:off x="379514" y="1501707"/>
+            <a:ext cx="9648795" cy="3539430"/>
+          </a:xfrm>
+          <a:prstGeom prst="rect">
+            <a:avLst/>
+          </a:prstGeom>
+          <a:solidFill>
+            <a:srgbClr val="FFFFFF"/>
+          </a:solidFill>
+          <a:ln>
+            <a:noFill/>
+          </a:ln>
+          <a:effectLst/>
+          <a:extLst>
+            <a:ext uri="{91240B29-F687-4F45-9708-019B960494DF}">
+              <a14:hiddenLine xmlns:a14="http://schemas.microsoft.com/office/drawing/2010/main" w="9525">
+                <a:solidFill>
+                  <a:schemeClr val="tx1"/>
+                </a:solidFill>
+                <a:miter lim="800000"/>
+                <a:headEnd/>
+                <a:tailEnd/>
+              </a14:hiddenLine>
+            </a:ext>
+            <a:ext uri="{AF507438-7753-43E0-B8FC-AC1667EBCBE1}">
+              <a14:hiddenEffects xmlns:a14="http://schemas.microsoft.com/office/drawing/2010/main">
+                <a:effectLst>
+                  <a:outerShdw dist="35921" dir="2700000" algn="ctr" rotWithShape="0">
+                    <a:schemeClr val="bg2"/>
+                  </a:outerShdw>
+                </a:effectLst>
+              </a14:hiddenEffects>
+            </a:ext>
+          </a:extLst>
+        </p:spPr>
+        <p:txBody>
+          <a:bodyPr vert="horz" wrap="none" lIns="91440" tIns="45720" rIns="91440" bIns="45720" numCol="1" anchor="ctr" anchorCtr="0" compatLnSpc="1">
+            <a:prstTxWarp prst="textNoShape">
+              <a:avLst/>
+            </a:prstTxWarp>
+            <a:spAutoFit/>
+          </a:bodyPr>
+          <a:lstStyle/>
+          <a:p>
+            <a:pPr marL="0" marR="0" lvl="0" indent="0" algn="l" defTabSz="914400" rtl="0" eaLnBrk="0" fontAlgn="base" latinLnBrk="0" hangingPunct="0">
+              <a:lnSpc>
+                <a:spcPct val="100000"/>
+              </a:lnSpc>
+              <a:spcBef>
+                <a:spcPct val="0"/>
+              </a:spcBef>
+              <a:spcAft>
+                <a:spcPct val="0"/>
+              </a:spcAft>
+              <a:buClrTx/>
+              <a:buSzTx/>
+              <a:buFontTx/>
+              <a:buNone/>
+              <a:tabLst/>
+            </a:pPr>
+            <a:r>
+              <a:rPr kumimoji="0" lang="en-US" altLang="en-US" sz="2800" b="0" i="0" u="none" strike="noStrike" cap="none" normalizeH="0" baseline="0" dirty="0" smtClean="0">
+                <a:ln>
+                  <a:noFill/>
+                </a:ln>
+                <a:solidFill>
+                  <a:srgbClr val="000000"/>
+                </a:solidFill>
+                <a:effectLst/>
+                <a:latin typeface="Consolas" panose="020B0609020204030204" pitchFamily="49" charset="0"/>
+                <a:cs typeface="Consolas" panose="020B0609020204030204" pitchFamily="49" charset="0"/>
+              </a:rPr>
+              <a:t>guests = [</a:t>
+            </a:r>
+            <a:r>
+              <a:rPr kumimoji="0" lang="en-US" altLang="en-US" sz="2800" b="0" i="0" u="none" strike="noStrike" cap="none" normalizeH="0" baseline="0" dirty="0" smtClean="0">
+                <a:ln>
+                  <a:noFill/>
+                </a:ln>
+                <a:solidFill>
+                  <a:srgbClr val="A31515"/>
+                </a:solidFill>
+                <a:effectLst/>
+                <a:latin typeface="Consolas" panose="020B0609020204030204" pitchFamily="49" charset="0"/>
+                <a:cs typeface="Consolas" panose="020B0609020204030204" pitchFamily="49" charset="0"/>
+              </a:rPr>
+              <a:t>'</a:t>
+            </a:r>
+            <a:r>
+              <a:rPr kumimoji="0" lang="en-US" altLang="en-US" sz="2800" b="0" i="0" u="none" strike="noStrike" cap="none" normalizeH="0" baseline="0" dirty="0" err="1" smtClean="0">
+                <a:ln>
+                  <a:noFill/>
+                </a:ln>
+                <a:solidFill>
+                  <a:srgbClr val="A31515"/>
+                </a:solidFill>
+                <a:effectLst/>
+                <a:latin typeface="Consolas" panose="020B0609020204030204" pitchFamily="49" charset="0"/>
+                <a:cs typeface="Consolas" panose="020B0609020204030204" pitchFamily="49" charset="0"/>
+              </a:rPr>
+              <a:t>Christopher'</a:t>
+            </a:r>
+            <a:r>
+              <a:rPr kumimoji="0" lang="en-US" altLang="en-US" sz="2800" b="0" i="0" u="none" strike="noStrike" cap="none" normalizeH="0" baseline="0" dirty="0" err="1" smtClean="0">
+                <a:ln>
+                  <a:noFill/>
+                </a:ln>
+                <a:solidFill>
+                  <a:srgbClr val="000000"/>
+                </a:solidFill>
+                <a:effectLst/>
+                <a:latin typeface="Consolas" panose="020B0609020204030204" pitchFamily="49" charset="0"/>
+                <a:cs typeface="Consolas" panose="020B0609020204030204" pitchFamily="49" charset="0"/>
+              </a:rPr>
+              <a:t>,</a:t>
+            </a:r>
+            <a:r>
+              <a:rPr kumimoji="0" lang="en-US" altLang="en-US" sz="2800" b="0" i="0" u="none" strike="noStrike" cap="none" normalizeH="0" baseline="0" dirty="0" err="1" smtClean="0">
+                <a:ln>
+                  <a:noFill/>
+                </a:ln>
+                <a:solidFill>
+                  <a:srgbClr val="A31515"/>
+                </a:solidFill>
+                <a:effectLst/>
+                <a:latin typeface="Consolas" panose="020B0609020204030204" pitchFamily="49" charset="0"/>
+                <a:cs typeface="Consolas" panose="020B0609020204030204" pitchFamily="49" charset="0"/>
+              </a:rPr>
+              <a:t>'Susan'</a:t>
+            </a:r>
+            <a:r>
+              <a:rPr kumimoji="0" lang="en-US" altLang="en-US" sz="2800" b="0" i="0" u="none" strike="noStrike" cap="none" normalizeH="0" baseline="0" dirty="0" err="1" smtClean="0">
+                <a:ln>
+                  <a:noFill/>
+                </a:ln>
+                <a:solidFill>
+                  <a:srgbClr val="000000"/>
+                </a:solidFill>
+                <a:effectLst/>
+                <a:latin typeface="Consolas" panose="020B0609020204030204" pitchFamily="49" charset="0"/>
+                <a:cs typeface="Consolas" panose="020B0609020204030204" pitchFamily="49" charset="0"/>
+              </a:rPr>
+              <a:t>,</a:t>
+            </a:r>
+            <a:r>
+              <a:rPr kumimoji="0" lang="en-US" altLang="en-US" sz="2800" b="0" i="0" u="none" strike="noStrike" cap="none" normalizeH="0" baseline="0" dirty="0" err="1" smtClean="0">
+                <a:ln>
+                  <a:noFill/>
+                </a:ln>
+                <a:solidFill>
+                  <a:srgbClr val="A31515"/>
+                </a:solidFill>
+                <a:effectLst/>
+                <a:latin typeface="Consolas" panose="020B0609020204030204" pitchFamily="49" charset="0"/>
+                <a:cs typeface="Consolas" panose="020B0609020204030204" pitchFamily="49" charset="0"/>
+              </a:rPr>
+              <a:t>'Bill'</a:t>
+            </a:r>
+            <a:r>
+              <a:rPr kumimoji="0" lang="en-US" altLang="en-US" sz="2800" b="0" i="0" u="none" strike="noStrike" cap="none" normalizeH="0" baseline="0" dirty="0" err="1" smtClean="0">
+                <a:ln>
+                  <a:noFill/>
+                </a:ln>
+                <a:solidFill>
+                  <a:srgbClr val="000000"/>
+                </a:solidFill>
+                <a:effectLst/>
+                <a:latin typeface="Consolas" panose="020B0609020204030204" pitchFamily="49" charset="0"/>
+                <a:cs typeface="Consolas" panose="020B0609020204030204" pitchFamily="49" charset="0"/>
+              </a:rPr>
+              <a:t>,</a:t>
+            </a:r>
+            <a:r>
+              <a:rPr kumimoji="0" lang="en-US" altLang="en-US" sz="2800" b="0" i="0" u="none" strike="noStrike" cap="none" normalizeH="0" baseline="0" dirty="0" err="1" smtClean="0">
+                <a:ln>
+                  <a:noFill/>
+                </a:ln>
+                <a:solidFill>
+                  <a:srgbClr val="A31515"/>
+                </a:solidFill>
+                <a:effectLst/>
+                <a:latin typeface="Consolas" panose="020B0609020204030204" pitchFamily="49" charset="0"/>
+                <a:cs typeface="Consolas" panose="020B0609020204030204" pitchFamily="49" charset="0"/>
+              </a:rPr>
+              <a:t>'Satya</a:t>
+            </a:r>
+            <a:r>
+              <a:rPr kumimoji="0" lang="en-US" altLang="en-US" sz="2800" b="0" i="0" u="none" strike="noStrike" cap="none" normalizeH="0" baseline="0" dirty="0" smtClean="0">
+                <a:ln>
+                  <a:noFill/>
+                </a:ln>
+                <a:solidFill>
+                  <a:srgbClr val="A31515"/>
+                </a:solidFill>
+                <a:effectLst/>
+                <a:latin typeface="Consolas" panose="020B0609020204030204" pitchFamily="49" charset="0"/>
+                <a:cs typeface="Consolas" panose="020B0609020204030204" pitchFamily="49" charset="0"/>
+              </a:rPr>
+              <a:t>'</a:t>
+            </a:r>
+            <a:r>
+              <a:rPr kumimoji="0" lang="en-US" altLang="en-US" sz="2800" b="0" i="0" u="none" strike="noStrike" cap="none" normalizeH="0" baseline="0" dirty="0" smtClean="0">
+                <a:ln>
+                  <a:noFill/>
+                </a:ln>
+                <a:solidFill>
+                  <a:srgbClr val="000000"/>
+                </a:solidFill>
+                <a:effectLst/>
+                <a:latin typeface="Consolas" panose="020B0609020204030204" pitchFamily="49" charset="0"/>
+                <a:cs typeface="Consolas" panose="020B0609020204030204" pitchFamily="49" charset="0"/>
+              </a:rPr>
+              <a:t>] </a:t>
+            </a:r>
+          </a:p>
+          <a:p>
+            <a:pPr marL="0" marR="0" lvl="0" indent="0" algn="l" defTabSz="914400" rtl="0" eaLnBrk="0" fontAlgn="base" latinLnBrk="0" hangingPunct="0">
+              <a:lnSpc>
+                <a:spcPct val="100000"/>
+              </a:lnSpc>
+              <a:spcBef>
+                <a:spcPct val="0"/>
+              </a:spcBef>
+              <a:spcAft>
+                <a:spcPct val="0"/>
+              </a:spcAft>
+              <a:buClrTx/>
+              <a:buSzTx/>
+              <a:buFontTx/>
+              <a:buNone/>
+              <a:tabLst/>
+            </a:pPr>
+            <a:endParaRPr kumimoji="0" lang="en-US" altLang="en-US" sz="2800" b="0" i="0" u="none" strike="noStrike" cap="none" normalizeH="0" baseline="0" dirty="0" smtClean="0">
+              <a:ln>
+                <a:noFill/>
+              </a:ln>
+              <a:solidFill>
+                <a:srgbClr val="008000"/>
+              </a:solidFill>
+              <a:effectLst/>
+              <a:latin typeface="Consolas" panose="020B0609020204030204" pitchFamily="49" charset="0"/>
+              <a:cs typeface="Consolas" panose="020B0609020204030204" pitchFamily="49" charset="0"/>
+            </a:endParaRPr>
+          </a:p>
+          <a:p>
+            <a:pPr marL="0" marR="0" lvl="0" indent="0" algn="l" defTabSz="914400" rtl="0" eaLnBrk="0" fontAlgn="base" latinLnBrk="0" hangingPunct="0">
+              <a:lnSpc>
+                <a:spcPct val="100000"/>
+              </a:lnSpc>
+              <a:spcBef>
+                <a:spcPct val="0"/>
+              </a:spcBef>
+              <a:spcAft>
+                <a:spcPct val="0"/>
+              </a:spcAft>
+              <a:buClrTx/>
+              <a:buSzTx/>
+              <a:buFontTx/>
+              <a:buNone/>
+              <a:tabLst/>
+            </a:pPr>
+            <a:r>
+              <a:rPr kumimoji="0" lang="en-US" altLang="en-US" sz="2800" b="0" i="0" u="none" strike="noStrike" cap="none" normalizeH="0" baseline="0" dirty="0" smtClean="0">
+                <a:ln>
+                  <a:noFill/>
+                </a:ln>
+                <a:solidFill>
+                  <a:srgbClr val="008000"/>
+                </a:solidFill>
+                <a:effectLst/>
+                <a:latin typeface="Consolas" panose="020B0609020204030204" pitchFamily="49" charset="0"/>
+                <a:cs typeface="Consolas" panose="020B0609020204030204" pitchFamily="49" charset="0"/>
+              </a:rPr>
+              <a:t>#Sort the names in alphabetical order</a:t>
+            </a:r>
+            <a:r>
+              <a:rPr kumimoji="0" lang="en-US" altLang="en-US" sz="2800" b="0" i="0" u="none" strike="noStrike" cap="none" normalizeH="0" baseline="0" dirty="0" smtClean="0">
+                <a:ln>
+                  <a:noFill/>
+                </a:ln>
+                <a:solidFill>
+                  <a:srgbClr val="000000"/>
+                </a:solidFill>
+                <a:effectLst/>
+                <a:latin typeface="Consolas" panose="020B0609020204030204" pitchFamily="49" charset="0"/>
+                <a:cs typeface="Consolas" panose="020B0609020204030204" pitchFamily="49" charset="0"/>
+              </a:rPr>
+              <a:t> </a:t>
+            </a:r>
+          </a:p>
+          <a:p>
+            <a:pPr marL="0" marR="0" lvl="0" indent="0" algn="l" defTabSz="914400" rtl="0" eaLnBrk="0" fontAlgn="base" latinLnBrk="0" hangingPunct="0">
+              <a:lnSpc>
+                <a:spcPct val="100000"/>
+              </a:lnSpc>
+              <a:spcBef>
+                <a:spcPct val="0"/>
+              </a:spcBef>
+              <a:spcAft>
+                <a:spcPct val="0"/>
+              </a:spcAft>
+              <a:buClrTx/>
+              <a:buSzTx/>
+              <a:buFontTx/>
+              <a:buNone/>
+              <a:tabLst/>
+            </a:pPr>
+            <a:r>
+              <a:rPr kumimoji="0" lang="en-US" altLang="en-US" sz="2800" b="0" i="0" u="none" strike="noStrike" cap="none" normalizeH="0" baseline="0" dirty="0" err="1" smtClean="0">
+                <a:ln>
+                  <a:noFill/>
+                </a:ln>
+                <a:solidFill>
+                  <a:srgbClr val="000000"/>
+                </a:solidFill>
+                <a:effectLst/>
+                <a:latin typeface="Consolas" panose="020B0609020204030204" pitchFamily="49" charset="0"/>
+                <a:cs typeface="Consolas" panose="020B0609020204030204" pitchFamily="49" charset="0"/>
+              </a:rPr>
+              <a:t>guests.sort</a:t>
+            </a:r>
+            <a:r>
+              <a:rPr kumimoji="0" lang="en-US" altLang="en-US" sz="2800" b="0" i="0" u="none" strike="noStrike" cap="none" normalizeH="0" baseline="0" dirty="0" smtClean="0">
+                <a:ln>
+                  <a:noFill/>
+                </a:ln>
+                <a:solidFill>
+                  <a:srgbClr val="000000"/>
+                </a:solidFill>
+                <a:effectLst/>
+                <a:latin typeface="Consolas" panose="020B0609020204030204" pitchFamily="49" charset="0"/>
+                <a:cs typeface="Consolas" panose="020B0609020204030204" pitchFamily="49" charset="0"/>
+              </a:rPr>
+              <a:t>() </a:t>
+            </a:r>
+          </a:p>
+          <a:p>
+            <a:pPr marL="0" marR="0" lvl="0" indent="0" algn="l" defTabSz="914400" rtl="0" eaLnBrk="0" fontAlgn="base" latinLnBrk="0" hangingPunct="0">
+              <a:lnSpc>
+                <a:spcPct val="100000"/>
+              </a:lnSpc>
+              <a:spcBef>
+                <a:spcPct val="0"/>
+              </a:spcBef>
+              <a:spcAft>
+                <a:spcPct val="0"/>
+              </a:spcAft>
+              <a:buClrTx/>
+              <a:buSzTx/>
+              <a:buFontTx/>
+              <a:buNone/>
+              <a:tabLst/>
+            </a:pPr>
+            <a:endParaRPr kumimoji="0" lang="en-US" altLang="en-US" sz="2800" b="0" i="0" u="none" strike="noStrike" cap="none" normalizeH="0" baseline="0" dirty="0" smtClean="0">
+              <a:ln>
+                <a:noFill/>
+              </a:ln>
+              <a:solidFill>
+                <a:srgbClr val="008000"/>
+              </a:solidFill>
+              <a:effectLst/>
+              <a:latin typeface="Consolas" panose="020B0609020204030204" pitchFamily="49" charset="0"/>
+              <a:cs typeface="Consolas" panose="020B0609020204030204" pitchFamily="49" charset="0"/>
+            </a:endParaRPr>
+          </a:p>
+          <a:p>
+            <a:pPr marL="0" marR="0" lvl="0" indent="0" algn="l" defTabSz="914400" rtl="0" eaLnBrk="0" fontAlgn="base" latinLnBrk="0" hangingPunct="0">
+              <a:lnSpc>
+                <a:spcPct val="100000"/>
+              </a:lnSpc>
+              <a:spcBef>
+                <a:spcPct val="0"/>
+              </a:spcBef>
+              <a:spcAft>
+                <a:spcPct val="0"/>
+              </a:spcAft>
+              <a:buClrTx/>
+              <a:buSzTx/>
+              <a:buFontTx/>
+              <a:buNone/>
+              <a:tabLst/>
+            </a:pPr>
+            <a:r>
+              <a:rPr kumimoji="0" lang="en-US" altLang="en-US" sz="2800" b="0" i="0" u="none" strike="noStrike" cap="none" normalizeH="0" baseline="0" dirty="0" smtClean="0">
+                <a:ln>
+                  <a:noFill/>
+                </a:ln>
+                <a:solidFill>
+                  <a:srgbClr val="008000"/>
+                </a:solidFill>
+                <a:effectLst/>
+                <a:latin typeface="Consolas" panose="020B0609020204030204" pitchFamily="49" charset="0"/>
+                <a:cs typeface="Consolas" panose="020B0609020204030204" pitchFamily="49" charset="0"/>
+              </a:rPr>
+              <a:t>#print the list</a:t>
+            </a:r>
+            <a:r>
+              <a:rPr kumimoji="0" lang="en-US" altLang="en-US" sz="2800" b="0" i="0" u="none" strike="noStrike" cap="none" normalizeH="0" baseline="0" dirty="0" smtClean="0">
+                <a:ln>
+                  <a:noFill/>
+                </a:ln>
+                <a:solidFill>
+                  <a:srgbClr val="000000"/>
+                </a:solidFill>
+                <a:effectLst/>
+                <a:latin typeface="Consolas" panose="020B0609020204030204" pitchFamily="49" charset="0"/>
+                <a:cs typeface="Consolas" panose="020B0609020204030204" pitchFamily="49" charset="0"/>
+              </a:rPr>
+              <a:t> </a:t>
+            </a:r>
+          </a:p>
+          <a:p>
+            <a:pPr marL="0" marR="0" lvl="0" indent="0" algn="l" defTabSz="914400" rtl="0" eaLnBrk="0" fontAlgn="base" latinLnBrk="0" hangingPunct="0">
+              <a:lnSpc>
+                <a:spcPct val="100000"/>
+              </a:lnSpc>
+              <a:spcBef>
+                <a:spcPct val="0"/>
+              </a:spcBef>
+              <a:spcAft>
+                <a:spcPct val="0"/>
+              </a:spcAft>
+              <a:buClrTx/>
+              <a:buSzTx/>
+              <a:buFontTx/>
+              <a:buNone/>
+              <a:tabLst/>
+            </a:pPr>
+            <a:r>
+              <a:rPr kumimoji="0" lang="en-US" altLang="en-US" sz="2800" b="0" i="0" u="none" strike="noStrike" cap="none" normalizeH="0" baseline="0" dirty="0" smtClean="0">
+                <a:ln>
+                  <a:noFill/>
+                </a:ln>
+                <a:solidFill>
+                  <a:srgbClr val="0000FF"/>
+                </a:solidFill>
+                <a:effectLst/>
+                <a:latin typeface="Consolas" panose="020B0609020204030204" pitchFamily="49" charset="0"/>
+                <a:cs typeface="Consolas" panose="020B0609020204030204" pitchFamily="49" charset="0"/>
+              </a:rPr>
+              <a:t>for</a:t>
+            </a:r>
+            <a:r>
+              <a:rPr kumimoji="0" lang="en-US" altLang="en-US" sz="2800" b="0" i="0" u="none" strike="noStrike" cap="none" normalizeH="0" baseline="0" dirty="0" smtClean="0">
+                <a:ln>
+                  <a:noFill/>
+                </a:ln>
+                <a:solidFill>
+                  <a:srgbClr val="000000"/>
+                </a:solidFill>
+                <a:effectLst/>
+                <a:latin typeface="Consolas" panose="020B0609020204030204" pitchFamily="49" charset="0"/>
+                <a:cs typeface="Consolas" panose="020B0609020204030204" pitchFamily="49" charset="0"/>
+              </a:rPr>
+              <a:t> guest </a:t>
+            </a:r>
+            <a:r>
+              <a:rPr kumimoji="0" lang="en-US" altLang="en-US" sz="2800" b="0" i="0" u="none" strike="noStrike" cap="none" normalizeH="0" baseline="0" dirty="0" smtClean="0">
+                <a:ln>
+                  <a:noFill/>
+                </a:ln>
+                <a:solidFill>
+                  <a:srgbClr val="0000FF"/>
+                </a:solidFill>
+                <a:effectLst/>
+                <a:latin typeface="Consolas" panose="020B0609020204030204" pitchFamily="49" charset="0"/>
+                <a:cs typeface="Consolas" panose="020B0609020204030204" pitchFamily="49" charset="0"/>
+              </a:rPr>
+              <a:t>in</a:t>
+            </a:r>
+            <a:r>
+              <a:rPr kumimoji="0" lang="en-US" altLang="en-US" sz="2800" b="0" i="0" u="none" strike="noStrike" cap="none" normalizeH="0" baseline="0" dirty="0" smtClean="0">
+                <a:ln>
+                  <a:noFill/>
+                </a:ln>
+                <a:solidFill>
+                  <a:srgbClr val="000000"/>
+                </a:solidFill>
+                <a:effectLst/>
+                <a:latin typeface="Consolas" panose="020B0609020204030204" pitchFamily="49" charset="0"/>
+                <a:cs typeface="Consolas" panose="020B0609020204030204" pitchFamily="49" charset="0"/>
+              </a:rPr>
+              <a:t> guests :</a:t>
+            </a:r>
+          </a:p>
+          <a:p>
+            <a:pPr marL="0" marR="0" lvl="0" indent="0" algn="l" defTabSz="914400" rtl="0" eaLnBrk="0" fontAlgn="base" latinLnBrk="0" hangingPunct="0">
+              <a:lnSpc>
+                <a:spcPct val="100000"/>
+              </a:lnSpc>
+              <a:spcBef>
+                <a:spcPct val="0"/>
+              </a:spcBef>
+              <a:spcAft>
+                <a:spcPct val="0"/>
+              </a:spcAft>
+              <a:buClrTx/>
+              <a:buSzTx/>
+              <a:buFontTx/>
+              <a:buNone/>
+              <a:tabLst/>
+            </a:pPr>
+            <a:r>
+              <a:rPr kumimoji="0" lang="en-US" altLang="en-US" sz="2800" b="0" i="0" u="none" strike="noStrike" cap="none" normalizeH="0" baseline="0" dirty="0" smtClean="0">
+                <a:ln>
+                  <a:noFill/>
+                </a:ln>
+                <a:solidFill>
+                  <a:srgbClr val="000000"/>
+                </a:solidFill>
+                <a:effectLst/>
+                <a:latin typeface="Consolas" panose="020B0609020204030204" pitchFamily="49" charset="0"/>
+                <a:cs typeface="Consolas" panose="020B0609020204030204" pitchFamily="49" charset="0"/>
+              </a:rPr>
+              <a:t>     print(guest)</a:t>
+            </a:r>
+            <a:endParaRPr kumimoji="0" lang="en-US" altLang="en-US" sz="2800" b="0" i="0" u="none" strike="noStrike" cap="none" normalizeH="0" baseline="0" dirty="0" smtClean="0">
+              <a:ln>
+                <a:noFill/>
+              </a:ln>
+              <a:solidFill>
+                <a:schemeClr val="tx1"/>
+              </a:solidFill>
+              <a:effectLst/>
+              <a:latin typeface="Arial" panose="020B0604020202020204" pitchFamily="34" charset="0"/>
+            </a:endParaRPr>
+          </a:p>
+        </p:txBody>
+      </p:sp>
+      <p:pic>
+        <p:nvPicPr>
+          <p:cNvPr id="7" name="Picture 6"/>
+          <p:cNvPicPr>
+            <a:picLocks noChangeAspect="1"/>
+          </p:cNvPicPr>
+          <p:nvPr/>
+        </p:nvPicPr>
+        <p:blipFill>
+          <a:blip r:embed="rId2"/>
+          <a:stretch>
+            <a:fillRect/>
+          </a:stretch>
+        </p:blipFill>
+        <p:spPr>
+          <a:xfrm>
+            <a:off x="6442074" y="4382739"/>
+            <a:ext cx="5940425" cy="2924981"/>
+          </a:xfrm>
+          <a:prstGeom prst="rect">
+            <a:avLst/>
+          </a:prstGeom>
+        </p:spPr>
+      </p:pic>
     </p:spTree>
     <p:extLst>
       <p:ext uri="{BB962C8B-B14F-4D97-AF65-F5344CB8AC3E}">
-        <p14:creationId xmlns:p14="http://schemas.microsoft.com/office/powerpoint/2010/main" val="804782066"/>
+        <p14:creationId xmlns:p14="http://schemas.microsoft.com/office/powerpoint/2010/main" val="293036142"/>
       </p:ext>
     </p:extLst>
   </p:cSld>
@@ -10498,7 +10498,7 @@
       </p:grpSpPr>
       <p:sp>
         <p:nvSpPr>
-          <p:cNvPr id="3" name="Title 2"/>
+          <p:cNvPr id="4" name="Title 3"/>
           <p:cNvSpPr>
             <a:spLocks noGrp="1"/>
           </p:cNvSpPr>
@@ -10508,57 +10508,12 @@
         </p:nvSpPr>
         <p:spPr/>
         <p:txBody>
-          <a:bodyPr>
-            <a:normAutofit/>
-          </a:bodyPr>
-          <a:lstStyle/>
-          <a:p>
-            <a:r>
-              <a:rPr lang="en-CA" dirty="0" smtClean="0"/>
-              <a:t>Your challenge</a:t>
-            </a:r>
-            <a:r>
-              <a:rPr lang="en-CA" dirty="0" smtClean="0"/>
-              <a:t>… Starting to get harder…</a:t>
-            </a:r>
-            <a:endParaRPr lang="en-US" dirty="0"/>
-          </a:p>
-        </p:txBody>
-      </p:sp>
-      <p:sp>
-        <p:nvSpPr>
-          <p:cNvPr id="4" name="Content Placeholder 3"/>
-          <p:cNvSpPr>
-            <a:spLocks noGrp="1"/>
-          </p:cNvSpPr>
-          <p:nvPr>
-            <p:ph sz="quarter" idx="10"/>
-          </p:nvPr>
-        </p:nvSpPr>
-        <p:spPr/>
-        <p:txBody>
           <a:bodyPr/>
           <a:lstStyle/>
           <a:p>
             <a:r>
-              <a:rPr lang="en-CA" dirty="0"/>
-              <a:t>Ask the user to enter the names of everyone attending a party</a:t>
-            </a:r>
-          </a:p>
-          <a:p>
-            <a:r>
-              <a:rPr lang="en-CA" dirty="0"/>
-              <a:t>Then return a list of the party guests in alphabetical </a:t>
-            </a:r>
-            <a:r>
               <a:rPr lang="en-CA" dirty="0" smtClean="0"/>
-              <a:t>order</a:t>
-            </a:r>
-          </a:p>
-          <a:p>
-            <a:r>
-              <a:rPr lang="en-CA" dirty="0" smtClean="0"/>
-              <a:t>This will require pulling together everything we have learned so far, so let’s walk through the thought process of idea to code</a:t>
+              <a:t>Sort a list and print the results</a:t>
             </a:r>
             <a:endParaRPr lang="en-US" dirty="0"/>
           </a:p>
@@ -10567,7 +10522,7 @@
     </p:spTree>
     <p:extLst>
       <p:ext uri="{BB962C8B-B14F-4D97-AF65-F5344CB8AC3E}">
-        <p14:creationId xmlns:p14="http://schemas.microsoft.com/office/powerpoint/2010/main" val="2248052835"/>
+        <p14:creationId xmlns:p14="http://schemas.microsoft.com/office/powerpoint/2010/main" val="804782066"/>
       </p:ext>
     </p:extLst>
   </p:cSld>
@@ -10603,7 +10558,84 @@
       </p:grpSpPr>
       <p:sp>
         <p:nvSpPr>
+          <p:cNvPr id="5" name="Subtitle 4"/>
+          <p:cNvSpPr>
+            <a:spLocks noGrp="1"/>
+          </p:cNvSpPr>
+          <p:nvPr>
+            <p:ph type="subTitle" idx="1"/>
+          </p:nvPr>
+        </p:nvSpPr>
+        <p:spPr/>
+        <p:txBody>
+          <a:bodyPr/>
+          <a:lstStyle/>
+          <a:p>
+            <a:endParaRPr lang="en-US"/>
+          </a:p>
+        </p:txBody>
+      </p:sp>
+      <p:sp>
+        <p:nvSpPr>
           <p:cNvPr id="4" name="Title 3"/>
+          <p:cNvSpPr>
+            <a:spLocks noGrp="1"/>
+          </p:cNvSpPr>
+          <p:nvPr>
+            <p:ph type="ctrTitle"/>
+          </p:nvPr>
+        </p:nvSpPr>
+        <p:spPr>
+          <a:xfrm>
+            <a:off x="193271" y="3362632"/>
+            <a:ext cx="8579886" cy="1656316"/>
+          </a:xfrm>
+        </p:spPr>
+        <p:txBody>
+          <a:bodyPr/>
+          <a:lstStyle/>
+          <a:p>
+            <a:r>
+              <a:rPr lang="en-US" dirty="0" smtClean="0"/>
+              <a:t>Multiple values</a:t>
+            </a:r>
+            <a:endParaRPr lang="en-US" dirty="0"/>
+          </a:p>
+        </p:txBody>
+      </p:sp>
+    </p:spTree>
+    <p:extLst>
+      <p:ext uri="{BB962C8B-B14F-4D97-AF65-F5344CB8AC3E}">
+        <p14:creationId xmlns:p14="http://schemas.microsoft.com/office/powerpoint/2010/main" val="3216100355"/>
+      </p:ext>
+    </p:extLst>
+  </p:cSld>
+  <p:clrMapOvr>
+    <a:masterClrMapping/>
+  </p:clrMapOvr>
+</p:sld>
+</file>
+
+<file path=ppt/slides/slide30.xml><?xml version="1.0" encoding="utf-8"?>
+<p:sld xmlns:a="http://schemas.openxmlformats.org/drawingml/2006/main" xmlns:r="http://schemas.openxmlformats.org/officeDocument/2006/relationships" xmlns:p="http://schemas.openxmlformats.org/presentationml/2006/main">
+  <p:cSld>
+    <p:spTree>
+      <p:nvGrpSpPr>
+        <p:cNvPr id="1" name=""/>
+        <p:cNvGrpSpPr/>
+        <p:nvPr/>
+      </p:nvGrpSpPr>
+      <p:grpSpPr>
+        <a:xfrm>
+          <a:off x="0" y="0"/>
+          <a:ext cx="0" cy="0"/>
+          <a:chOff x="0" y="0"/>
+          <a:chExt cx="0" cy="0"/>
+        </a:xfrm>
+      </p:grpSpPr>
+      <p:sp>
+        <p:nvSpPr>
+          <p:cNvPr id="3" name="Title 2"/>
           <p:cNvSpPr>
             <a:spLocks noGrp="1"/>
           </p:cNvSpPr>
@@ -10620,7 +10652,7 @@
           <a:p>
             <a:r>
               <a:rPr lang="en-CA" dirty="0" smtClean="0"/>
-              <a:t>Lists allow you to store multiple values</a:t>
+              <a:t>Your challenge… Starting to get harder…</a:t>
             </a:r>
             <a:endParaRPr lang="en-US" dirty="0"/>
           </a:p>
@@ -10628,334 +10660,47 @@
       </p:sp>
       <p:sp>
         <p:nvSpPr>
-          <p:cNvPr id="2" name="Content Placeholder 1"/>
+          <p:cNvPr id="4" name="Content Placeholder 3"/>
           <p:cNvSpPr>
-            <a:spLocks noGrp="1" noChangeArrowheads="1"/>
+            <a:spLocks noGrp="1"/>
           </p:cNvSpPr>
           <p:nvPr>
             <p:ph sz="quarter" idx="10"/>
           </p:nvPr>
         </p:nvSpPr>
-        <p:spPr bwMode="auto">
-          <a:xfrm>
-            <a:off x="379413" y="2132916"/>
-            <a:ext cx="9451626" cy="523220"/>
-          </a:xfrm>
-          <a:prstGeom prst="rect">
-            <a:avLst/>
-          </a:prstGeom>
-          <a:solidFill>
-            <a:srgbClr val="FFFFFF"/>
-          </a:solidFill>
-          <a:ln>
-            <a:noFill/>
-          </a:ln>
-          <a:effectLst/>
-          <a:extLst>
-            <a:ext uri="{91240B29-F687-4F45-9708-019B960494DF}">
-              <a14:hiddenLine xmlns:a14="http://schemas.microsoft.com/office/drawing/2010/main" w="9525">
-                <a:solidFill>
-                  <a:schemeClr val="tx1"/>
-                </a:solidFill>
-                <a:miter lim="800000"/>
-                <a:headEnd/>
-                <a:tailEnd/>
-              </a14:hiddenLine>
-            </a:ext>
-            <a:ext uri="{AF507438-7753-43E0-B8FC-AC1667EBCBE1}">
-              <a14:hiddenEffects xmlns:a14="http://schemas.microsoft.com/office/drawing/2010/main">
-                <a:effectLst>
-                  <a:outerShdw dist="35921" dir="2700000" algn="ctr" rotWithShape="0">
-                    <a:schemeClr val="bg2"/>
-                  </a:outerShdw>
-                </a:effectLst>
-              </a14:hiddenEffects>
-            </a:ext>
-          </a:extLst>
-        </p:spPr>
+        <p:spPr/>
         <p:txBody>
-          <a:bodyPr vert="horz" wrap="none" lIns="91440" tIns="45720" rIns="91440" bIns="45720" numCol="1" anchor="ctr" anchorCtr="0" compatLnSpc="1">
-            <a:prstTxWarp prst="textNoShape">
-              <a:avLst/>
-            </a:prstTxWarp>
-            <a:spAutoFit/>
-          </a:bodyPr>
+          <a:bodyPr/>
           <a:lstStyle/>
           <a:p>
-            <a:pPr marL="0" marR="0" lvl="0" indent="0" algn="l" defTabSz="914400" rtl="0" eaLnBrk="0" fontAlgn="base" latinLnBrk="0" hangingPunct="0">
-              <a:lnSpc>
-                <a:spcPct val="100000"/>
-              </a:lnSpc>
-              <a:spcBef>
-                <a:spcPct val="0"/>
-              </a:spcBef>
-              <a:spcAft>
-                <a:spcPct val="0"/>
-              </a:spcAft>
-              <a:buClrTx/>
-              <a:buSzTx/>
-              <a:buFontTx/>
-              <a:buNone/>
-              <a:tabLst/>
-            </a:pPr>
-            <a:r>
-              <a:rPr kumimoji="0" lang="en-US" altLang="en-US" sz="2800" b="0" i="0" u="none" strike="noStrike" cap="none" normalizeH="0" baseline="0" dirty="0" smtClean="0">
-                <a:ln>
-                  <a:noFill/>
-                </a:ln>
-                <a:solidFill>
-                  <a:srgbClr val="000000"/>
-                </a:solidFill>
-                <a:effectLst/>
-                <a:latin typeface="Consolas" panose="020B0609020204030204" pitchFamily="49" charset="0"/>
-                <a:cs typeface="Consolas" panose="020B0609020204030204" pitchFamily="49" charset="0"/>
-              </a:rPr>
-              <a:t>guests = [</a:t>
-            </a:r>
-            <a:r>
-              <a:rPr kumimoji="0" lang="en-US" altLang="en-US" sz="2800" b="0" i="0" u="none" strike="noStrike" cap="none" normalizeH="0" baseline="0" dirty="0" smtClean="0">
-                <a:ln>
-                  <a:noFill/>
-                </a:ln>
-                <a:solidFill>
-                  <a:srgbClr val="A31515"/>
-                </a:solidFill>
-                <a:effectLst/>
-                <a:latin typeface="Consolas" panose="020B0609020204030204" pitchFamily="49" charset="0"/>
-                <a:cs typeface="Consolas" panose="020B0609020204030204" pitchFamily="49" charset="0"/>
-              </a:rPr>
-              <a:t>'</a:t>
-            </a:r>
-            <a:r>
-              <a:rPr kumimoji="0" lang="en-US" altLang="en-US" sz="2800" b="0" i="0" u="none" strike="noStrike" cap="none" normalizeH="0" baseline="0" dirty="0" err="1" smtClean="0">
-                <a:ln>
-                  <a:noFill/>
-                </a:ln>
-                <a:solidFill>
-                  <a:srgbClr val="A31515"/>
-                </a:solidFill>
-                <a:effectLst/>
-                <a:latin typeface="Consolas" panose="020B0609020204030204" pitchFamily="49" charset="0"/>
-                <a:cs typeface="Consolas" panose="020B0609020204030204" pitchFamily="49" charset="0"/>
-              </a:rPr>
-              <a:t>Christopher'</a:t>
-            </a:r>
-            <a:r>
-              <a:rPr kumimoji="0" lang="en-US" altLang="en-US" sz="2800" b="0" i="0" u="none" strike="noStrike" cap="none" normalizeH="0" baseline="0" dirty="0" err="1" smtClean="0">
-                <a:ln>
-                  <a:noFill/>
-                </a:ln>
-                <a:solidFill>
-                  <a:srgbClr val="000000"/>
-                </a:solidFill>
-                <a:effectLst/>
-                <a:latin typeface="Consolas" panose="020B0609020204030204" pitchFamily="49" charset="0"/>
-                <a:cs typeface="Consolas" panose="020B0609020204030204" pitchFamily="49" charset="0"/>
-              </a:rPr>
-              <a:t>,</a:t>
-            </a:r>
-            <a:r>
-              <a:rPr kumimoji="0" lang="en-US" altLang="en-US" sz="2800" b="0" i="0" u="none" strike="noStrike" cap="none" normalizeH="0" baseline="0" dirty="0" err="1" smtClean="0">
-                <a:ln>
-                  <a:noFill/>
-                </a:ln>
-                <a:solidFill>
-                  <a:srgbClr val="A31515"/>
-                </a:solidFill>
-                <a:effectLst/>
-                <a:latin typeface="Consolas" panose="020B0609020204030204" pitchFamily="49" charset="0"/>
-                <a:cs typeface="Consolas" panose="020B0609020204030204" pitchFamily="49" charset="0"/>
-              </a:rPr>
-              <a:t>'Susan'</a:t>
-            </a:r>
-            <a:r>
-              <a:rPr kumimoji="0" lang="en-US" altLang="en-US" sz="2800" b="0" i="0" u="none" strike="noStrike" cap="none" normalizeH="0" baseline="0" dirty="0" err="1" smtClean="0">
-                <a:ln>
-                  <a:noFill/>
-                </a:ln>
-                <a:solidFill>
-                  <a:srgbClr val="000000"/>
-                </a:solidFill>
-                <a:effectLst/>
-                <a:latin typeface="Consolas" panose="020B0609020204030204" pitchFamily="49" charset="0"/>
-                <a:cs typeface="Consolas" panose="020B0609020204030204" pitchFamily="49" charset="0"/>
-              </a:rPr>
-              <a:t>,</a:t>
-            </a:r>
-            <a:r>
-              <a:rPr kumimoji="0" lang="en-US" altLang="en-US" sz="2800" b="0" i="0" u="none" strike="noStrike" cap="none" normalizeH="0" baseline="0" dirty="0" err="1" smtClean="0">
-                <a:ln>
-                  <a:noFill/>
-                </a:ln>
-                <a:solidFill>
-                  <a:srgbClr val="A31515"/>
-                </a:solidFill>
-                <a:effectLst/>
-                <a:latin typeface="Consolas" panose="020B0609020204030204" pitchFamily="49" charset="0"/>
-                <a:cs typeface="Consolas" panose="020B0609020204030204" pitchFamily="49" charset="0"/>
-              </a:rPr>
-              <a:t>'Bill'</a:t>
-            </a:r>
-            <a:r>
-              <a:rPr kumimoji="0" lang="en-US" altLang="en-US" sz="2800" b="0" i="0" u="none" strike="noStrike" cap="none" normalizeH="0" baseline="0" dirty="0" err="1" smtClean="0">
-                <a:ln>
-                  <a:noFill/>
-                </a:ln>
-                <a:solidFill>
-                  <a:srgbClr val="000000"/>
-                </a:solidFill>
-                <a:effectLst/>
-                <a:latin typeface="Consolas" panose="020B0609020204030204" pitchFamily="49" charset="0"/>
-                <a:cs typeface="Consolas" panose="020B0609020204030204" pitchFamily="49" charset="0"/>
-              </a:rPr>
-              <a:t>,</a:t>
-            </a:r>
-            <a:r>
-              <a:rPr kumimoji="0" lang="en-US" altLang="en-US" sz="2800" b="0" i="0" u="none" strike="noStrike" cap="none" normalizeH="0" baseline="0" dirty="0" err="1" smtClean="0">
-                <a:ln>
-                  <a:noFill/>
-                </a:ln>
-                <a:solidFill>
-                  <a:srgbClr val="A31515"/>
-                </a:solidFill>
-                <a:effectLst/>
-                <a:latin typeface="Consolas" panose="020B0609020204030204" pitchFamily="49" charset="0"/>
-                <a:cs typeface="Consolas" panose="020B0609020204030204" pitchFamily="49" charset="0"/>
-              </a:rPr>
-              <a:t>'Satya</a:t>
-            </a:r>
-            <a:r>
-              <a:rPr kumimoji="0" lang="en-US" altLang="en-US" sz="2800" b="0" i="0" u="none" strike="noStrike" cap="none" normalizeH="0" baseline="0" dirty="0" smtClean="0">
-                <a:ln>
-                  <a:noFill/>
-                </a:ln>
-                <a:solidFill>
-                  <a:srgbClr val="A31515"/>
-                </a:solidFill>
-                <a:effectLst/>
-                <a:latin typeface="Consolas" panose="020B0609020204030204" pitchFamily="49" charset="0"/>
-                <a:cs typeface="Consolas" panose="020B0609020204030204" pitchFamily="49" charset="0"/>
-              </a:rPr>
-              <a:t>'</a:t>
-            </a:r>
-            <a:r>
-              <a:rPr kumimoji="0" lang="en-US" altLang="en-US" sz="2800" b="0" i="0" u="none" strike="noStrike" cap="none" normalizeH="0" baseline="0" dirty="0" smtClean="0">
-                <a:ln>
-                  <a:noFill/>
-                </a:ln>
-                <a:solidFill>
-                  <a:srgbClr val="000000"/>
-                </a:solidFill>
-                <a:effectLst/>
-                <a:latin typeface="Consolas" panose="020B0609020204030204" pitchFamily="49" charset="0"/>
-                <a:cs typeface="Consolas" panose="020B0609020204030204" pitchFamily="49" charset="0"/>
-              </a:rPr>
-              <a:t>]</a:t>
-            </a:r>
-          </a:p>
-        </p:txBody>
-      </p:sp>
-      <p:sp>
-        <p:nvSpPr>
-          <p:cNvPr id="3" name="Rectangle 2"/>
-          <p:cNvSpPr>
-            <a:spLocks noChangeArrowheads="1"/>
-          </p:cNvSpPr>
-          <p:nvPr/>
-        </p:nvSpPr>
-        <p:spPr bwMode="auto">
-          <a:xfrm>
-            <a:off x="379413" y="2900690"/>
-            <a:ext cx="5311069" cy="523220"/>
-          </a:xfrm>
-          <a:prstGeom prst="rect">
-            <a:avLst/>
-          </a:prstGeom>
-          <a:solidFill>
-            <a:srgbClr val="FFFFFF"/>
-          </a:solidFill>
-          <a:ln>
-            <a:noFill/>
-          </a:ln>
-          <a:effectLst/>
-          <a:extLst>
-            <a:ext uri="{91240B29-F687-4F45-9708-019B960494DF}">
-              <a14:hiddenLine xmlns:a14="http://schemas.microsoft.com/office/drawing/2010/main" w="9525">
-                <a:solidFill>
-                  <a:schemeClr val="tx1"/>
-                </a:solidFill>
-                <a:miter lim="800000"/>
-                <a:headEnd/>
-                <a:tailEnd/>
-              </a14:hiddenLine>
-            </a:ext>
-            <a:ext uri="{AF507438-7753-43E0-B8FC-AC1667EBCBE1}">
-              <a14:hiddenEffects xmlns:a14="http://schemas.microsoft.com/office/drawing/2010/main">
-                <a:effectLst>
-                  <a:outerShdw dist="35921" dir="2700000" algn="ctr" rotWithShape="0">
-                    <a:schemeClr val="bg2"/>
-                  </a:outerShdw>
-                </a:effectLst>
-              </a14:hiddenEffects>
-            </a:ext>
-          </a:extLst>
-        </p:spPr>
-        <p:txBody>
-          <a:bodyPr vert="horz" wrap="none" lIns="91440" tIns="45720" rIns="91440" bIns="45720" numCol="1" anchor="ctr" anchorCtr="0" compatLnSpc="1">
-            <a:prstTxWarp prst="textNoShape">
-              <a:avLst/>
-            </a:prstTxWarp>
-            <a:spAutoFit/>
-          </a:bodyPr>
-          <a:lstStyle/>
-          <a:p>
-            <a:pPr marL="0" marR="0" lvl="0" indent="0" algn="l" defTabSz="914400" rtl="0" eaLnBrk="0" fontAlgn="base" latinLnBrk="0" hangingPunct="0">
-              <a:lnSpc>
-                <a:spcPct val="100000"/>
-              </a:lnSpc>
-              <a:spcBef>
-                <a:spcPct val="0"/>
-              </a:spcBef>
-              <a:spcAft>
-                <a:spcPct val="0"/>
-              </a:spcAft>
-              <a:buClrTx/>
-              <a:buSzTx/>
-              <a:buFontTx/>
-              <a:buNone/>
-              <a:tabLst/>
-            </a:pPr>
-            <a:r>
-              <a:rPr kumimoji="0" lang="en-US" altLang="en-US" sz="2800" b="0" i="0" u="none" strike="noStrike" cap="none" normalizeH="0" baseline="0" dirty="0" smtClean="0">
-                <a:ln>
-                  <a:noFill/>
-                </a:ln>
-                <a:solidFill>
-                  <a:srgbClr val="000000"/>
-                </a:solidFill>
-                <a:effectLst/>
-                <a:latin typeface="Consolas" panose="020B0609020204030204" pitchFamily="49" charset="0"/>
-                <a:cs typeface="Consolas" panose="020B0609020204030204" pitchFamily="49" charset="0"/>
-              </a:rPr>
-              <a:t>scores = [78,85,62,49,98] </a:t>
-            </a:r>
-            <a:endParaRPr kumimoji="0" lang="en-US" altLang="en-US" sz="2800" b="0" i="0" u="none" strike="noStrike" cap="none" normalizeH="0" baseline="0" dirty="0" smtClean="0">
-              <a:ln>
-                <a:noFill/>
-              </a:ln>
-              <a:solidFill>
-                <a:schemeClr val="tx1"/>
-              </a:solidFill>
-              <a:effectLst/>
-              <a:latin typeface="Arial" panose="020B0604020202020204" pitchFamily="34" charset="0"/>
-            </a:endParaRPr>
+            <a:r>
+              <a:rPr lang="en-CA" dirty="0"/>
+              <a:t>Ask the user to enter the names of everyone attending a party</a:t>
+            </a:r>
+          </a:p>
+          <a:p>
+            <a:r>
+              <a:rPr lang="en-CA" dirty="0"/>
+              <a:t>Then return a list of the party guests in alphabetical </a:t>
+            </a:r>
+            <a:r>
+              <a:rPr lang="en-CA" dirty="0" smtClean="0"/>
+              <a:t>order</a:t>
+            </a:r>
+          </a:p>
+          <a:p>
+            <a:r>
+              <a:rPr lang="en-CA" dirty="0" smtClean="0"/>
+              <a:t>This will require pulling together everything we have learned so far, so let’s walk through the thought process of idea to code</a:t>
+            </a:r>
+            <a:endParaRPr lang="en-US" dirty="0"/>
           </a:p>
         </p:txBody>
       </p:sp>
     </p:spTree>
     <p:extLst>
       <p:ext uri="{BB962C8B-B14F-4D97-AF65-F5344CB8AC3E}">
-        <p14:creationId xmlns:p14="http://schemas.microsoft.com/office/powerpoint/2010/main" val="59524173"/>
+        <p14:creationId xmlns:p14="http://schemas.microsoft.com/office/powerpoint/2010/main" val="2248052835"/>
       </p:ext>
     </p:extLst>
   </p:cSld>
@@ -10965,135 +10710,14 @@
   <p:timing>
     <p:tnLst>
       <p:par>
-        <p:cTn id="1" dur="indefinite" restart="never" nodeType="tmRoot">
-          <p:childTnLst>
-            <p:seq concurrent="1" nextAc="seek">
-              <p:cTn id="2" dur="indefinite" nodeType="mainSeq">
-                <p:childTnLst>
-                  <p:par>
-                    <p:cTn id="3" fill="hold">
-                      <p:stCondLst>
-                        <p:cond delay="indefinite"/>
-                      </p:stCondLst>
-                      <p:childTnLst>
-                        <p:par>
-                          <p:cTn id="4" fill="hold">
-                            <p:stCondLst>
-                              <p:cond delay="0"/>
-                            </p:stCondLst>
-                            <p:childTnLst>
-                              <p:par>
-                                <p:cTn id="5" presetID="1" presetClass="entr" presetSubtype="0" fill="hold" grpId="0" nodeType="clickEffect">
-                                  <p:stCondLst>
-                                    <p:cond delay="0"/>
-                                  </p:stCondLst>
-                                  <p:childTnLst>
-                                    <p:set>
-                                      <p:cBhvr>
-                                        <p:cTn id="6" dur="1" fill="hold">
-                                          <p:stCondLst>
-                                            <p:cond delay="0"/>
-                                          </p:stCondLst>
-                                        </p:cTn>
-                                        <p:tgtEl>
-                                          <p:spTgt spid="2">
-                                            <p:txEl>
-                                              <p:pRg st="0" end="0"/>
-                                            </p:txEl>
-                                          </p:spTgt>
-                                        </p:tgtEl>
-                                        <p:attrNameLst>
-                                          <p:attrName>style.visibility</p:attrName>
-                                        </p:attrNameLst>
-                                      </p:cBhvr>
-                                      <p:to>
-                                        <p:strVal val="visible"/>
-                                      </p:to>
-                                    </p:set>
-                                  </p:childTnLst>
-                                </p:cTn>
-                              </p:par>
-                            </p:childTnLst>
-                          </p:cTn>
-                        </p:par>
-                      </p:childTnLst>
-                    </p:cTn>
-                  </p:par>
-                  <p:par>
-                    <p:cTn id="7" fill="hold">
-                      <p:stCondLst>
-                        <p:cond delay="indefinite"/>
-                      </p:stCondLst>
-                      <p:childTnLst>
-                        <p:par>
-                          <p:cTn id="8" fill="hold">
-                            <p:stCondLst>
-                              <p:cond delay="0"/>
-                            </p:stCondLst>
-                            <p:childTnLst>
-                              <p:par>
-                                <p:cTn id="9" presetID="1" presetClass="entr" presetSubtype="0" fill="hold" grpId="0" nodeType="clickEffect">
-                                  <p:stCondLst>
-                                    <p:cond delay="0"/>
-                                  </p:stCondLst>
-                                  <p:childTnLst>
-                                    <p:set>
-                                      <p:cBhvr>
-                                        <p:cTn id="10" dur="1" fill="hold">
-                                          <p:stCondLst>
-                                            <p:cond delay="0"/>
-                                          </p:stCondLst>
-                                        </p:cTn>
-                                        <p:tgtEl>
-                                          <p:spTgt spid="3"/>
-                                        </p:tgtEl>
-                                        <p:attrNameLst>
-                                          <p:attrName>style.visibility</p:attrName>
-                                        </p:attrNameLst>
-                                      </p:cBhvr>
-                                      <p:to>
-                                        <p:strVal val="visible"/>
-                                      </p:to>
-                                    </p:set>
-                                  </p:childTnLst>
-                                </p:cTn>
-                              </p:par>
-                            </p:childTnLst>
-                          </p:cTn>
-                        </p:par>
-                      </p:childTnLst>
-                    </p:cTn>
-                  </p:par>
-                </p:childTnLst>
-              </p:cTn>
-              <p:prevCondLst>
-                <p:cond evt="onPrev" delay="0">
-                  <p:tgtEl>
-                    <p:sldTgt/>
-                  </p:tgtEl>
-                </p:cond>
-              </p:prevCondLst>
-              <p:nextCondLst>
-                <p:cond evt="onNext" delay="0">
-                  <p:tgtEl>
-                    <p:sldTgt/>
-                  </p:tgtEl>
-                </p:cond>
-              </p:nextCondLst>
-            </p:seq>
-          </p:childTnLst>
-        </p:cTn>
+        <p:cTn id="1" dur="indefinite" restart="never" nodeType="tmRoot"/>
       </p:par>
     </p:tnLst>
-    <p:bldLst>
-      <p:bldP spid="2" grpId="0" uiExpand="1" build="p"/>
-      <p:bldP spid="3" grpId="0" animBg="1"/>
-    </p:bldLst>
   </p:timing>
 </p:sld>
 </file>
 
-<file path=ppt/slides/slide30.xml><?xml version="1.0" encoding="utf-8"?>
+<file path=ppt/slides/slide31.xml><?xml version="1.0" encoding="utf-8"?>
 <p:sld xmlns:a="http://schemas.openxmlformats.org/drawingml/2006/main" xmlns:r="http://schemas.openxmlformats.org/officeDocument/2006/relationships" xmlns:p="http://schemas.openxmlformats.org/presentationml/2006/main">
   <p:cSld>
     <p:spTree>
@@ -11210,7 +10834,7 @@
 </p:sld>
 </file>
 
-<file path=ppt/slides/slide31.xml><?xml version="1.0" encoding="utf-8"?>
+<file path=ppt/slides/slide32.xml><?xml version="1.0" encoding="utf-8"?>
 <p:sld xmlns:a="http://schemas.openxmlformats.org/drawingml/2006/main" xmlns:r="http://schemas.openxmlformats.org/officeDocument/2006/relationships" xmlns:p="http://schemas.openxmlformats.org/presentationml/2006/main">
   <p:cSld>
     <p:spTree>
@@ -11645,7 +11269,7 @@
 </p:sld>
 </file>
 
-<file path=ppt/slides/slide32.xml><?xml version="1.0" encoding="utf-8"?>
+<file path=ppt/slides/slide33.xml><?xml version="1.0" encoding="utf-8"?>
 <p:sld xmlns:a="http://schemas.openxmlformats.org/drawingml/2006/main" xmlns:r="http://schemas.openxmlformats.org/officeDocument/2006/relationships" xmlns:p="http://schemas.openxmlformats.org/presentationml/2006/main">
   <p:cSld>
     <p:spTree>
@@ -11971,7 +11595,7 @@
 </p:sld>
 </file>
 
-<file path=ppt/slides/slide33.xml><?xml version="1.0" encoding="utf-8"?>
+<file path=ppt/slides/slide34.xml><?xml version="1.0" encoding="utf-8"?>
 <p:sld xmlns:a="http://schemas.openxmlformats.org/drawingml/2006/main" xmlns:r="http://schemas.openxmlformats.org/officeDocument/2006/relationships" xmlns:p="http://schemas.openxmlformats.org/presentationml/2006/main">
   <p:cSld>
     <p:spTree>
@@ -12044,102 +11668,6 @@
     <p:extLst>
       <p:ext uri="{BB962C8B-B14F-4D97-AF65-F5344CB8AC3E}">
         <p14:creationId xmlns:p14="http://schemas.microsoft.com/office/powerpoint/2010/main" val="949086245"/>
-      </p:ext>
-    </p:extLst>
-  </p:cSld>
-  <p:clrMapOvr>
-    <a:masterClrMapping/>
-  </p:clrMapOvr>
-  <p:timing>
-    <p:tnLst>
-      <p:par>
-        <p:cTn id="1" dur="indefinite" restart="never" nodeType="tmRoot"/>
-      </p:par>
-    </p:tnLst>
-  </p:timing>
-</p:sld>
-</file>
-
-<file path=ppt/slides/slide34.xml><?xml version="1.0" encoding="utf-8"?>
-<p:sld xmlns:a="http://schemas.openxmlformats.org/drawingml/2006/main" xmlns:r="http://schemas.openxmlformats.org/officeDocument/2006/relationships" xmlns:p="http://schemas.openxmlformats.org/presentationml/2006/main">
-  <p:cSld>
-    <p:spTree>
-      <p:nvGrpSpPr>
-        <p:cNvPr id="1" name=""/>
-        <p:cNvGrpSpPr/>
-        <p:nvPr/>
-      </p:nvGrpSpPr>
-      <p:grpSpPr>
-        <a:xfrm>
-          <a:off x="0" y="0"/>
-          <a:ext cx="0" cy="0"/>
-          <a:chOff x="0" y="0"/>
-          <a:chExt cx="0" cy="0"/>
-        </a:xfrm>
-      </p:grpSpPr>
-      <p:sp>
-        <p:nvSpPr>
-          <p:cNvPr id="2" name="Title 1"/>
-          <p:cNvSpPr>
-            <a:spLocks noGrp="1"/>
-          </p:cNvSpPr>
-          <p:nvPr>
-            <p:ph type="title"/>
-          </p:nvPr>
-        </p:nvSpPr>
-        <p:spPr/>
-        <p:txBody>
-          <a:bodyPr>
-            <a:normAutofit fontScale="90000"/>
-          </a:bodyPr>
-          <a:lstStyle/>
-          <a:p>
-            <a:r>
-              <a:rPr lang="en-CA" sz="4900" dirty="0" smtClean="0"/>
-              <a:t>3. Sort </a:t>
-            </a:r>
-            <a:r>
-              <a:rPr lang="en-CA" sz="4900" dirty="0"/>
-              <a:t>the list</a:t>
-            </a:r>
-            <a:r>
-              <a:rPr lang="en-CA" dirty="0"/>
-              <a:t/>
-            </a:r>
-            <a:br>
-              <a:rPr lang="en-CA" dirty="0"/>
-            </a:br>
-            <a:endParaRPr lang="en-US" dirty="0"/>
-          </a:p>
-        </p:txBody>
-      </p:sp>
-      <p:sp>
-        <p:nvSpPr>
-          <p:cNvPr id="3" name="Content Placeholder 2"/>
-          <p:cNvSpPr>
-            <a:spLocks noGrp="1"/>
-          </p:cNvSpPr>
-          <p:nvPr>
-            <p:ph sz="quarter" idx="10"/>
-          </p:nvPr>
-        </p:nvSpPr>
-        <p:spPr/>
-        <p:txBody>
-          <a:bodyPr/>
-          <a:lstStyle/>
-          <a:p>
-            <a:r>
-              <a:rPr lang="en-CA" dirty="0" smtClean="0"/>
-              <a:t>Once the values are in a list, use the sort function to sort the list alphabetically</a:t>
-            </a:r>
-            <a:endParaRPr lang="en-US" dirty="0"/>
-          </a:p>
-        </p:txBody>
-      </p:sp>
-    </p:spTree>
-    <p:extLst>
-      <p:ext uri="{BB962C8B-B14F-4D97-AF65-F5344CB8AC3E}">
-        <p14:creationId xmlns:p14="http://schemas.microsoft.com/office/powerpoint/2010/main" val="2129544926"/>
       </p:ext>
     </p:extLst>
   </p:cSld>
@@ -12192,6 +11720,102 @@
           <a:p>
             <a:r>
               <a:rPr lang="en-CA" sz="4900" dirty="0" smtClean="0"/>
+              <a:t>3. Sort </a:t>
+            </a:r>
+            <a:r>
+              <a:rPr lang="en-CA" sz="4900" dirty="0"/>
+              <a:t>the list</a:t>
+            </a:r>
+            <a:r>
+              <a:rPr lang="en-CA" dirty="0"/>
+              <a:t/>
+            </a:r>
+            <a:br>
+              <a:rPr lang="en-CA" dirty="0"/>
+            </a:br>
+            <a:endParaRPr lang="en-US" dirty="0"/>
+          </a:p>
+        </p:txBody>
+      </p:sp>
+      <p:sp>
+        <p:nvSpPr>
+          <p:cNvPr id="3" name="Content Placeholder 2"/>
+          <p:cNvSpPr>
+            <a:spLocks noGrp="1"/>
+          </p:cNvSpPr>
+          <p:nvPr>
+            <p:ph sz="quarter" idx="10"/>
+          </p:nvPr>
+        </p:nvSpPr>
+        <p:spPr/>
+        <p:txBody>
+          <a:bodyPr/>
+          <a:lstStyle/>
+          <a:p>
+            <a:r>
+              <a:rPr lang="en-CA" dirty="0" smtClean="0"/>
+              <a:t>Once the values are in a list, use the sort function to sort the list alphabetically</a:t>
+            </a:r>
+            <a:endParaRPr lang="en-US" dirty="0"/>
+          </a:p>
+        </p:txBody>
+      </p:sp>
+    </p:spTree>
+    <p:extLst>
+      <p:ext uri="{BB962C8B-B14F-4D97-AF65-F5344CB8AC3E}">
+        <p14:creationId xmlns:p14="http://schemas.microsoft.com/office/powerpoint/2010/main" val="2129544926"/>
+      </p:ext>
+    </p:extLst>
+  </p:cSld>
+  <p:clrMapOvr>
+    <a:masterClrMapping/>
+  </p:clrMapOvr>
+  <p:timing>
+    <p:tnLst>
+      <p:par>
+        <p:cTn id="1" dur="indefinite" restart="never" nodeType="tmRoot"/>
+      </p:par>
+    </p:tnLst>
+  </p:timing>
+</p:sld>
+</file>
+
+<file path=ppt/slides/slide36.xml><?xml version="1.0" encoding="utf-8"?>
+<p:sld xmlns:a="http://schemas.openxmlformats.org/drawingml/2006/main" xmlns:r="http://schemas.openxmlformats.org/officeDocument/2006/relationships" xmlns:p="http://schemas.openxmlformats.org/presentationml/2006/main">
+  <p:cSld>
+    <p:spTree>
+      <p:nvGrpSpPr>
+        <p:cNvPr id="1" name=""/>
+        <p:cNvGrpSpPr/>
+        <p:nvPr/>
+      </p:nvGrpSpPr>
+      <p:grpSpPr>
+        <a:xfrm>
+          <a:off x="0" y="0"/>
+          <a:ext cx="0" cy="0"/>
+          <a:chOff x="0" y="0"/>
+          <a:chExt cx="0" cy="0"/>
+        </a:xfrm>
+      </p:grpSpPr>
+      <p:sp>
+        <p:nvSpPr>
+          <p:cNvPr id="2" name="Title 1"/>
+          <p:cNvSpPr>
+            <a:spLocks noGrp="1"/>
+          </p:cNvSpPr>
+          <p:nvPr>
+            <p:ph type="title"/>
+          </p:nvPr>
+        </p:nvSpPr>
+        <p:spPr/>
+        <p:txBody>
+          <a:bodyPr>
+            <a:normAutofit fontScale="90000"/>
+          </a:bodyPr>
+          <a:lstStyle/>
+          <a:p>
+            <a:r>
+              <a:rPr lang="en-CA" sz="4900" dirty="0" smtClean="0"/>
               <a:t>4. Print </a:t>
             </a:r>
             <a:r>
@@ -12258,7 +11882,7 @@
 </p:sld>
 </file>
 
-<file path=ppt/slides/slide36.xml><?xml version="1.0" encoding="utf-8"?>
+<file path=ppt/slides/slide37.xml><?xml version="1.0" encoding="utf-8"?>
 <p:sld xmlns:a="http://schemas.openxmlformats.org/drawingml/2006/main" xmlns:r="http://schemas.openxmlformats.org/officeDocument/2006/relationships" xmlns:p="http://schemas.openxmlformats.org/presentationml/2006/main">
   <p:cSld>
     <p:spTree>
@@ -13366,7 +12990,7 @@
 </p:sld>
 </file>
 
-<file path=ppt/slides/slide37.xml><?xml version="1.0" encoding="utf-8"?>
+<file path=ppt/slides/slide38.xml><?xml version="1.0" encoding="utf-8"?>
 <p:sld xmlns:a="http://schemas.openxmlformats.org/drawingml/2006/main" xmlns:r="http://schemas.openxmlformats.org/officeDocument/2006/relationships" xmlns:p="http://schemas.openxmlformats.org/presentationml/2006/main">
   <p:cSld>
     <p:spTree>
@@ -14205,7 +13829,7 @@
 </p:sld>
 </file>
 
-<file path=ppt/slides/slide38.xml><?xml version="1.0" encoding="utf-8"?>
+<file path=ppt/slides/slide39.xml><?xml version="1.0" encoding="utf-8"?>
 <p:sld xmlns:a="http://schemas.openxmlformats.org/drawingml/2006/main" xmlns:r="http://schemas.openxmlformats.org/officeDocument/2006/relationships" xmlns:p="http://schemas.openxmlformats.org/presentationml/2006/main">
   <p:cSld>
     <p:spTree>
@@ -14335,7 +13959,516 @@
 </p:sld>
 </file>
 
-<file path=ppt/slides/slide39.xml><?xml version="1.0" encoding="utf-8"?>
+<file path=ppt/slides/slide4.xml><?xml version="1.0" encoding="utf-8"?>
+<p:sld xmlns:a="http://schemas.openxmlformats.org/drawingml/2006/main" xmlns:r="http://schemas.openxmlformats.org/officeDocument/2006/relationships" xmlns:p="http://schemas.openxmlformats.org/presentationml/2006/main">
+  <p:cSld>
+    <p:spTree>
+      <p:nvGrpSpPr>
+        <p:cNvPr id="1" name=""/>
+        <p:cNvGrpSpPr/>
+        <p:nvPr/>
+      </p:nvGrpSpPr>
+      <p:grpSpPr>
+        <a:xfrm>
+          <a:off x="0" y="0"/>
+          <a:ext cx="0" cy="0"/>
+          <a:chOff x="0" y="0"/>
+          <a:chExt cx="0" cy="0"/>
+        </a:xfrm>
+      </p:grpSpPr>
+      <p:sp>
+        <p:nvSpPr>
+          <p:cNvPr id="4" name="Title 3"/>
+          <p:cNvSpPr>
+            <a:spLocks noGrp="1"/>
+          </p:cNvSpPr>
+          <p:nvPr>
+            <p:ph type="title"/>
+          </p:nvPr>
+        </p:nvSpPr>
+        <p:spPr/>
+        <p:txBody>
+          <a:bodyPr>
+            <a:normAutofit/>
+          </a:bodyPr>
+          <a:lstStyle/>
+          <a:p>
+            <a:r>
+              <a:rPr lang="en-CA" dirty="0" smtClean="0"/>
+              <a:t>Lists allow you to store multiple values</a:t>
+            </a:r>
+            <a:endParaRPr lang="en-US" dirty="0"/>
+          </a:p>
+        </p:txBody>
+      </p:sp>
+      <p:sp>
+        <p:nvSpPr>
+          <p:cNvPr id="2" name="Content Placeholder 1"/>
+          <p:cNvSpPr>
+            <a:spLocks noGrp="1" noChangeArrowheads="1"/>
+          </p:cNvSpPr>
+          <p:nvPr>
+            <p:ph sz="quarter" idx="10"/>
+          </p:nvPr>
+        </p:nvSpPr>
+        <p:spPr bwMode="auto">
+          <a:xfrm>
+            <a:off x="379413" y="2132916"/>
+            <a:ext cx="9451626" cy="523220"/>
+          </a:xfrm>
+          <a:prstGeom prst="rect">
+            <a:avLst/>
+          </a:prstGeom>
+          <a:solidFill>
+            <a:srgbClr val="FFFFFF"/>
+          </a:solidFill>
+          <a:ln>
+            <a:noFill/>
+          </a:ln>
+          <a:effectLst/>
+          <a:extLst>
+            <a:ext uri="{91240B29-F687-4F45-9708-019B960494DF}">
+              <a14:hiddenLine xmlns:a14="http://schemas.microsoft.com/office/drawing/2010/main" w="9525">
+                <a:solidFill>
+                  <a:schemeClr val="tx1"/>
+                </a:solidFill>
+                <a:miter lim="800000"/>
+                <a:headEnd/>
+                <a:tailEnd/>
+              </a14:hiddenLine>
+            </a:ext>
+            <a:ext uri="{AF507438-7753-43E0-B8FC-AC1667EBCBE1}">
+              <a14:hiddenEffects xmlns:a14="http://schemas.microsoft.com/office/drawing/2010/main">
+                <a:effectLst>
+                  <a:outerShdw dist="35921" dir="2700000" algn="ctr" rotWithShape="0">
+                    <a:schemeClr val="bg2"/>
+                  </a:outerShdw>
+                </a:effectLst>
+              </a14:hiddenEffects>
+            </a:ext>
+          </a:extLst>
+        </p:spPr>
+        <p:txBody>
+          <a:bodyPr vert="horz" wrap="none" lIns="91440" tIns="45720" rIns="91440" bIns="45720" numCol="1" anchor="ctr" anchorCtr="0" compatLnSpc="1">
+            <a:prstTxWarp prst="textNoShape">
+              <a:avLst/>
+            </a:prstTxWarp>
+            <a:spAutoFit/>
+          </a:bodyPr>
+          <a:lstStyle/>
+          <a:p>
+            <a:pPr marL="0" marR="0" lvl="0" indent="0" algn="l" defTabSz="914400" rtl="0" eaLnBrk="0" fontAlgn="base" latinLnBrk="0" hangingPunct="0">
+              <a:lnSpc>
+                <a:spcPct val="100000"/>
+              </a:lnSpc>
+              <a:spcBef>
+                <a:spcPct val="0"/>
+              </a:spcBef>
+              <a:spcAft>
+                <a:spcPct val="0"/>
+              </a:spcAft>
+              <a:buClrTx/>
+              <a:buSzTx/>
+              <a:buFontTx/>
+              <a:buNone/>
+              <a:tabLst/>
+            </a:pPr>
+            <a:r>
+              <a:rPr kumimoji="0" lang="en-US" altLang="en-US" sz="2800" b="0" i="0" u="none" strike="noStrike" cap="none" normalizeH="0" baseline="0" dirty="0" smtClean="0">
+                <a:ln>
+                  <a:noFill/>
+                </a:ln>
+                <a:solidFill>
+                  <a:srgbClr val="000000"/>
+                </a:solidFill>
+                <a:effectLst/>
+                <a:latin typeface="Consolas" panose="020B0609020204030204" pitchFamily="49" charset="0"/>
+                <a:cs typeface="Consolas" panose="020B0609020204030204" pitchFamily="49" charset="0"/>
+              </a:rPr>
+              <a:t>guests = [</a:t>
+            </a:r>
+            <a:r>
+              <a:rPr kumimoji="0" lang="en-US" altLang="en-US" sz="2800" b="0" i="0" u="none" strike="noStrike" cap="none" normalizeH="0" baseline="0" dirty="0" smtClean="0">
+                <a:ln>
+                  <a:noFill/>
+                </a:ln>
+                <a:solidFill>
+                  <a:srgbClr val="A31515"/>
+                </a:solidFill>
+                <a:effectLst/>
+                <a:latin typeface="Consolas" panose="020B0609020204030204" pitchFamily="49" charset="0"/>
+                <a:cs typeface="Consolas" panose="020B0609020204030204" pitchFamily="49" charset="0"/>
+              </a:rPr>
+              <a:t>'</a:t>
+            </a:r>
+            <a:r>
+              <a:rPr kumimoji="0" lang="en-US" altLang="en-US" sz="2800" b="0" i="0" u="none" strike="noStrike" cap="none" normalizeH="0" baseline="0" dirty="0" err="1" smtClean="0">
+                <a:ln>
+                  <a:noFill/>
+                </a:ln>
+                <a:solidFill>
+                  <a:srgbClr val="A31515"/>
+                </a:solidFill>
+                <a:effectLst/>
+                <a:latin typeface="Consolas" panose="020B0609020204030204" pitchFamily="49" charset="0"/>
+                <a:cs typeface="Consolas" panose="020B0609020204030204" pitchFamily="49" charset="0"/>
+              </a:rPr>
+              <a:t>Christopher'</a:t>
+            </a:r>
+            <a:r>
+              <a:rPr kumimoji="0" lang="en-US" altLang="en-US" sz="2800" b="0" i="0" u="none" strike="noStrike" cap="none" normalizeH="0" baseline="0" dirty="0" err="1" smtClean="0">
+                <a:ln>
+                  <a:noFill/>
+                </a:ln>
+                <a:solidFill>
+                  <a:srgbClr val="000000"/>
+                </a:solidFill>
+                <a:effectLst/>
+                <a:latin typeface="Consolas" panose="020B0609020204030204" pitchFamily="49" charset="0"/>
+                <a:cs typeface="Consolas" panose="020B0609020204030204" pitchFamily="49" charset="0"/>
+              </a:rPr>
+              <a:t>,</a:t>
+            </a:r>
+            <a:r>
+              <a:rPr kumimoji="0" lang="en-US" altLang="en-US" sz="2800" b="0" i="0" u="none" strike="noStrike" cap="none" normalizeH="0" baseline="0" dirty="0" err="1" smtClean="0">
+                <a:ln>
+                  <a:noFill/>
+                </a:ln>
+                <a:solidFill>
+                  <a:srgbClr val="A31515"/>
+                </a:solidFill>
+                <a:effectLst/>
+                <a:latin typeface="Consolas" panose="020B0609020204030204" pitchFamily="49" charset="0"/>
+                <a:cs typeface="Consolas" panose="020B0609020204030204" pitchFamily="49" charset="0"/>
+              </a:rPr>
+              <a:t>'Susan'</a:t>
+            </a:r>
+            <a:r>
+              <a:rPr kumimoji="0" lang="en-US" altLang="en-US" sz="2800" b="0" i="0" u="none" strike="noStrike" cap="none" normalizeH="0" baseline="0" dirty="0" err="1" smtClean="0">
+                <a:ln>
+                  <a:noFill/>
+                </a:ln>
+                <a:solidFill>
+                  <a:srgbClr val="000000"/>
+                </a:solidFill>
+                <a:effectLst/>
+                <a:latin typeface="Consolas" panose="020B0609020204030204" pitchFamily="49" charset="0"/>
+                <a:cs typeface="Consolas" panose="020B0609020204030204" pitchFamily="49" charset="0"/>
+              </a:rPr>
+              <a:t>,</a:t>
+            </a:r>
+            <a:r>
+              <a:rPr kumimoji="0" lang="en-US" altLang="en-US" sz="2800" b="0" i="0" u="none" strike="noStrike" cap="none" normalizeH="0" baseline="0" dirty="0" err="1" smtClean="0">
+                <a:ln>
+                  <a:noFill/>
+                </a:ln>
+                <a:solidFill>
+                  <a:srgbClr val="A31515"/>
+                </a:solidFill>
+                <a:effectLst/>
+                <a:latin typeface="Consolas" panose="020B0609020204030204" pitchFamily="49" charset="0"/>
+                <a:cs typeface="Consolas" panose="020B0609020204030204" pitchFamily="49" charset="0"/>
+              </a:rPr>
+              <a:t>'Bill'</a:t>
+            </a:r>
+            <a:r>
+              <a:rPr kumimoji="0" lang="en-US" altLang="en-US" sz="2800" b="0" i="0" u="none" strike="noStrike" cap="none" normalizeH="0" baseline="0" dirty="0" err="1" smtClean="0">
+                <a:ln>
+                  <a:noFill/>
+                </a:ln>
+                <a:solidFill>
+                  <a:srgbClr val="000000"/>
+                </a:solidFill>
+                <a:effectLst/>
+                <a:latin typeface="Consolas" panose="020B0609020204030204" pitchFamily="49" charset="0"/>
+                <a:cs typeface="Consolas" panose="020B0609020204030204" pitchFamily="49" charset="0"/>
+              </a:rPr>
+              <a:t>,</a:t>
+            </a:r>
+            <a:r>
+              <a:rPr kumimoji="0" lang="en-US" altLang="en-US" sz="2800" b="0" i="0" u="none" strike="noStrike" cap="none" normalizeH="0" baseline="0" dirty="0" err="1" smtClean="0">
+                <a:ln>
+                  <a:noFill/>
+                </a:ln>
+                <a:solidFill>
+                  <a:srgbClr val="A31515"/>
+                </a:solidFill>
+                <a:effectLst/>
+                <a:latin typeface="Consolas" panose="020B0609020204030204" pitchFamily="49" charset="0"/>
+                <a:cs typeface="Consolas" panose="020B0609020204030204" pitchFamily="49" charset="0"/>
+              </a:rPr>
+              <a:t>'Satya</a:t>
+            </a:r>
+            <a:r>
+              <a:rPr kumimoji="0" lang="en-US" altLang="en-US" sz="2800" b="0" i="0" u="none" strike="noStrike" cap="none" normalizeH="0" baseline="0" dirty="0" smtClean="0">
+                <a:ln>
+                  <a:noFill/>
+                </a:ln>
+                <a:solidFill>
+                  <a:srgbClr val="A31515"/>
+                </a:solidFill>
+                <a:effectLst/>
+                <a:latin typeface="Consolas" panose="020B0609020204030204" pitchFamily="49" charset="0"/>
+                <a:cs typeface="Consolas" panose="020B0609020204030204" pitchFamily="49" charset="0"/>
+              </a:rPr>
+              <a:t>'</a:t>
+            </a:r>
+            <a:r>
+              <a:rPr kumimoji="0" lang="en-US" altLang="en-US" sz="2800" b="0" i="0" u="none" strike="noStrike" cap="none" normalizeH="0" baseline="0" dirty="0" smtClean="0">
+                <a:ln>
+                  <a:noFill/>
+                </a:ln>
+                <a:solidFill>
+                  <a:srgbClr val="000000"/>
+                </a:solidFill>
+                <a:effectLst/>
+                <a:latin typeface="Consolas" panose="020B0609020204030204" pitchFamily="49" charset="0"/>
+                <a:cs typeface="Consolas" panose="020B0609020204030204" pitchFamily="49" charset="0"/>
+              </a:rPr>
+              <a:t>]</a:t>
+            </a:r>
+          </a:p>
+        </p:txBody>
+      </p:sp>
+      <p:sp>
+        <p:nvSpPr>
+          <p:cNvPr id="3" name="Rectangle 2"/>
+          <p:cNvSpPr>
+            <a:spLocks noChangeArrowheads="1"/>
+          </p:cNvSpPr>
+          <p:nvPr/>
+        </p:nvSpPr>
+        <p:spPr bwMode="auto">
+          <a:xfrm>
+            <a:off x="379413" y="2900690"/>
+            <a:ext cx="5311069" cy="523220"/>
+          </a:xfrm>
+          <a:prstGeom prst="rect">
+            <a:avLst/>
+          </a:prstGeom>
+          <a:solidFill>
+            <a:srgbClr val="FFFFFF"/>
+          </a:solidFill>
+          <a:ln>
+            <a:noFill/>
+          </a:ln>
+          <a:effectLst/>
+          <a:extLst>
+            <a:ext uri="{91240B29-F687-4F45-9708-019B960494DF}">
+              <a14:hiddenLine xmlns:a14="http://schemas.microsoft.com/office/drawing/2010/main" w="9525">
+                <a:solidFill>
+                  <a:schemeClr val="tx1"/>
+                </a:solidFill>
+                <a:miter lim="800000"/>
+                <a:headEnd/>
+                <a:tailEnd/>
+              </a14:hiddenLine>
+            </a:ext>
+            <a:ext uri="{AF507438-7753-43E0-B8FC-AC1667EBCBE1}">
+              <a14:hiddenEffects xmlns:a14="http://schemas.microsoft.com/office/drawing/2010/main">
+                <a:effectLst>
+                  <a:outerShdw dist="35921" dir="2700000" algn="ctr" rotWithShape="0">
+                    <a:schemeClr val="bg2"/>
+                  </a:outerShdw>
+                </a:effectLst>
+              </a14:hiddenEffects>
+            </a:ext>
+          </a:extLst>
+        </p:spPr>
+        <p:txBody>
+          <a:bodyPr vert="horz" wrap="none" lIns="91440" tIns="45720" rIns="91440" bIns="45720" numCol="1" anchor="ctr" anchorCtr="0" compatLnSpc="1">
+            <a:prstTxWarp prst="textNoShape">
+              <a:avLst/>
+            </a:prstTxWarp>
+            <a:spAutoFit/>
+          </a:bodyPr>
+          <a:lstStyle/>
+          <a:p>
+            <a:pPr marL="0" marR="0" lvl="0" indent="0" algn="l" defTabSz="914400" rtl="0" eaLnBrk="0" fontAlgn="base" latinLnBrk="0" hangingPunct="0">
+              <a:lnSpc>
+                <a:spcPct val="100000"/>
+              </a:lnSpc>
+              <a:spcBef>
+                <a:spcPct val="0"/>
+              </a:spcBef>
+              <a:spcAft>
+                <a:spcPct val="0"/>
+              </a:spcAft>
+              <a:buClrTx/>
+              <a:buSzTx/>
+              <a:buFontTx/>
+              <a:buNone/>
+              <a:tabLst/>
+            </a:pPr>
+            <a:r>
+              <a:rPr kumimoji="0" lang="en-US" altLang="en-US" sz="2800" b="0" i="0" u="none" strike="noStrike" cap="none" normalizeH="0" baseline="0" dirty="0" smtClean="0">
+                <a:ln>
+                  <a:noFill/>
+                </a:ln>
+                <a:solidFill>
+                  <a:srgbClr val="000000"/>
+                </a:solidFill>
+                <a:effectLst/>
+                <a:latin typeface="Consolas" panose="020B0609020204030204" pitchFamily="49" charset="0"/>
+                <a:cs typeface="Consolas" panose="020B0609020204030204" pitchFamily="49" charset="0"/>
+              </a:rPr>
+              <a:t>scores = [78,85,62,49,98] </a:t>
+            </a:r>
+            <a:endParaRPr kumimoji="0" lang="en-US" altLang="en-US" sz="2800" b="0" i="0" u="none" strike="noStrike" cap="none" normalizeH="0" baseline="0" dirty="0" smtClean="0">
+              <a:ln>
+                <a:noFill/>
+              </a:ln>
+              <a:solidFill>
+                <a:schemeClr val="tx1"/>
+              </a:solidFill>
+              <a:effectLst/>
+              <a:latin typeface="Arial" panose="020B0604020202020204" pitchFamily="34" charset="0"/>
+            </a:endParaRPr>
+          </a:p>
+        </p:txBody>
+      </p:sp>
+    </p:spTree>
+    <p:extLst>
+      <p:ext uri="{BB962C8B-B14F-4D97-AF65-F5344CB8AC3E}">
+        <p14:creationId xmlns:p14="http://schemas.microsoft.com/office/powerpoint/2010/main" val="59524173"/>
+      </p:ext>
+    </p:extLst>
+  </p:cSld>
+  <p:clrMapOvr>
+    <a:masterClrMapping/>
+  </p:clrMapOvr>
+  <p:timing>
+    <p:tnLst>
+      <p:par>
+        <p:cTn id="1" dur="indefinite" restart="never" nodeType="tmRoot">
+          <p:childTnLst>
+            <p:seq concurrent="1" nextAc="seek">
+              <p:cTn id="2" dur="indefinite" nodeType="mainSeq">
+                <p:childTnLst>
+                  <p:par>
+                    <p:cTn id="3" fill="hold">
+                      <p:stCondLst>
+                        <p:cond delay="indefinite"/>
+                      </p:stCondLst>
+                      <p:childTnLst>
+                        <p:par>
+                          <p:cTn id="4" fill="hold">
+                            <p:stCondLst>
+                              <p:cond delay="0"/>
+                            </p:stCondLst>
+                            <p:childTnLst>
+                              <p:par>
+                                <p:cTn id="5" presetID="1" presetClass="entr" presetSubtype="0" fill="hold" grpId="0" nodeType="clickEffect">
+                                  <p:stCondLst>
+                                    <p:cond delay="0"/>
+                                  </p:stCondLst>
+                                  <p:childTnLst>
+                                    <p:set>
+                                      <p:cBhvr>
+                                        <p:cTn id="6" dur="1" fill="hold">
+                                          <p:stCondLst>
+                                            <p:cond delay="0"/>
+                                          </p:stCondLst>
+                                        </p:cTn>
+                                        <p:tgtEl>
+                                          <p:spTgt spid="2">
+                                            <p:txEl>
+                                              <p:pRg st="0" end="0"/>
+                                            </p:txEl>
+                                          </p:spTgt>
+                                        </p:tgtEl>
+                                        <p:attrNameLst>
+                                          <p:attrName>style.visibility</p:attrName>
+                                        </p:attrNameLst>
+                                      </p:cBhvr>
+                                      <p:to>
+                                        <p:strVal val="visible"/>
+                                      </p:to>
+                                    </p:set>
+                                  </p:childTnLst>
+                                </p:cTn>
+                              </p:par>
+                            </p:childTnLst>
+                          </p:cTn>
+                        </p:par>
+                      </p:childTnLst>
+                    </p:cTn>
+                  </p:par>
+                  <p:par>
+                    <p:cTn id="7" fill="hold">
+                      <p:stCondLst>
+                        <p:cond delay="indefinite"/>
+                      </p:stCondLst>
+                      <p:childTnLst>
+                        <p:par>
+                          <p:cTn id="8" fill="hold">
+                            <p:stCondLst>
+                              <p:cond delay="0"/>
+                            </p:stCondLst>
+                            <p:childTnLst>
+                              <p:par>
+                                <p:cTn id="9" presetID="1" presetClass="entr" presetSubtype="0" fill="hold" grpId="0" nodeType="clickEffect">
+                                  <p:stCondLst>
+                                    <p:cond delay="0"/>
+                                  </p:stCondLst>
+                                  <p:childTnLst>
+                                    <p:set>
+                                      <p:cBhvr>
+                                        <p:cTn id="10" dur="1" fill="hold">
+                                          <p:stCondLst>
+                                            <p:cond delay="0"/>
+                                          </p:stCondLst>
+                                        </p:cTn>
+                                        <p:tgtEl>
+                                          <p:spTgt spid="3"/>
+                                        </p:tgtEl>
+                                        <p:attrNameLst>
+                                          <p:attrName>style.visibility</p:attrName>
+                                        </p:attrNameLst>
+                                      </p:cBhvr>
+                                      <p:to>
+                                        <p:strVal val="visible"/>
+                                      </p:to>
+                                    </p:set>
+                                  </p:childTnLst>
+                                </p:cTn>
+                              </p:par>
+                            </p:childTnLst>
+                          </p:cTn>
+                        </p:par>
+                      </p:childTnLst>
+                    </p:cTn>
+                  </p:par>
+                </p:childTnLst>
+              </p:cTn>
+              <p:prevCondLst>
+                <p:cond evt="onPrev" delay="0">
+                  <p:tgtEl>
+                    <p:sldTgt/>
+                  </p:tgtEl>
+                </p:cond>
+              </p:prevCondLst>
+              <p:nextCondLst>
+                <p:cond evt="onNext" delay="0">
+                  <p:tgtEl>
+                    <p:sldTgt/>
+                  </p:tgtEl>
+                </p:cond>
+              </p:nextCondLst>
+            </p:seq>
+          </p:childTnLst>
+        </p:cTn>
+      </p:par>
+    </p:tnLst>
+    <p:bldLst>
+      <p:bldP spid="2" grpId="0" uiExpand="1" build="p"/>
+      <p:bldP spid="3" grpId="0" animBg="1"/>
+    </p:bldLst>
+  </p:timing>
+</p:sld>
+</file>
+
+<file path=ppt/slides/slide40.xml><?xml version="1.0" encoding="utf-8"?>
 <p:sld xmlns:a="http://schemas.openxmlformats.org/drawingml/2006/main" xmlns:r="http://schemas.openxmlformats.org/officeDocument/2006/relationships" xmlns:p="http://schemas.openxmlformats.org/presentationml/2006/main">
   <p:cSld>
     <p:spTree>
@@ -14380,7 +14513,7 @@
 </p:sld>
 </file>
 
-<file path=ppt/slides/slide4.xml><?xml version="1.0" encoding="utf-8"?>
+<file path=ppt/slides/slide5.xml><?xml version="1.0" encoding="utf-8"?>
 <p:sld xmlns:a="http://schemas.openxmlformats.org/drawingml/2006/main" xmlns:r="http://schemas.openxmlformats.org/officeDocument/2006/relationships" xmlns:p="http://schemas.openxmlformats.org/presentationml/2006/main">
   <p:cSld>
     <p:spTree>
@@ -14628,7 +14761,7 @@
 </p:sld>
 </file>
 
-<file path=ppt/slides/slide5.xml><?xml version="1.0" encoding="utf-8"?>
+<file path=ppt/slides/slide6.xml><?xml version="1.0" encoding="utf-8"?>
 <p:sld xmlns:a="http://schemas.openxmlformats.org/drawingml/2006/main" xmlns:r="http://schemas.openxmlformats.org/officeDocument/2006/relationships" xmlns:p="http://schemas.openxmlformats.org/presentationml/2006/main">
   <p:cSld>
     <p:spTree>
@@ -15517,7 +15650,7 @@
 </p:sld>
 </file>
 
-<file path=ppt/slides/slide6.xml><?xml version="1.0" encoding="utf-8"?>
+<file path=ppt/slides/slide7.xml><?xml version="1.0" encoding="utf-8"?>
 <p:sld xmlns:a="http://schemas.openxmlformats.org/drawingml/2006/main" xmlns:r="http://schemas.openxmlformats.org/officeDocument/2006/relationships" xmlns:p="http://schemas.openxmlformats.org/presentationml/2006/main">
   <p:cSld>
     <p:spTree>
@@ -15648,7 +15781,7 @@
 </p:sld>
 </file>
 
-<file path=ppt/slides/slide7.xml><?xml version="1.0" encoding="utf-8"?>
+<file path=ppt/slides/slide8.xml><?xml version="1.0" encoding="utf-8"?>
 <p:sld xmlns:a="http://schemas.openxmlformats.org/drawingml/2006/main" xmlns:r="http://schemas.openxmlformats.org/officeDocument/2006/relationships" xmlns:p="http://schemas.openxmlformats.org/presentationml/2006/main">
   <p:cSld>
     <p:spTree>
@@ -16249,66 +16382,6 @@
 </p:sld>
 </file>
 
-<file path=ppt/slides/slide8.xml><?xml version="1.0" encoding="utf-8"?>
-<p:sld xmlns:a="http://schemas.openxmlformats.org/drawingml/2006/main" xmlns:r="http://schemas.openxmlformats.org/officeDocument/2006/relationships" xmlns:p="http://schemas.openxmlformats.org/presentationml/2006/main">
-  <p:cSld>
-    <p:spTree>
-      <p:nvGrpSpPr>
-        <p:cNvPr id="1" name=""/>
-        <p:cNvGrpSpPr/>
-        <p:nvPr/>
-      </p:nvGrpSpPr>
-      <p:grpSpPr>
-        <a:xfrm>
-          <a:off x="0" y="0"/>
-          <a:ext cx="0" cy="0"/>
-          <a:chOff x="0" y="0"/>
-          <a:chExt cx="0" cy="0"/>
-        </a:xfrm>
-      </p:grpSpPr>
-      <p:sp>
-        <p:nvSpPr>
-          <p:cNvPr id="4" name="Title 3"/>
-          <p:cNvSpPr>
-            <a:spLocks noGrp="1"/>
-          </p:cNvSpPr>
-          <p:nvPr>
-            <p:ph type="title"/>
-          </p:nvPr>
-        </p:nvSpPr>
-        <p:spPr/>
-        <p:txBody>
-          <a:bodyPr/>
-          <a:lstStyle/>
-          <a:p>
-            <a:r>
-              <a:rPr lang="en-CA" dirty="0" smtClean="0"/>
-              <a:t>Creating and populating a list</a:t>
-            </a:r>
-            <a:endParaRPr lang="en-US" dirty="0"/>
-          </a:p>
-        </p:txBody>
-      </p:sp>
-    </p:spTree>
-    <p:extLst>
-      <p:ext uri="{BB962C8B-B14F-4D97-AF65-F5344CB8AC3E}">
-        <p14:creationId xmlns:p14="http://schemas.microsoft.com/office/powerpoint/2010/main" val="531578089"/>
-      </p:ext>
-    </p:extLst>
-  </p:cSld>
-  <p:clrMapOvr>
-    <a:masterClrMapping/>
-  </p:clrMapOvr>
-  <p:timing>
-    <p:tnLst>
-      <p:par>
-        <p:cTn id="1" dur="indefinite" restart="never" nodeType="tmRoot"/>
-      </p:par>
-    </p:tnLst>
-  </p:timing>
-</p:sld>
-</file>
-
 <file path=ppt/slides/slide9.xml><?xml version="1.0" encoding="utf-8"?>
 <p:sld xmlns:a="http://schemas.openxmlformats.org/drawingml/2006/main" xmlns:r="http://schemas.openxmlformats.org/officeDocument/2006/relationships" xmlns:p="http://schemas.openxmlformats.org/presentationml/2006/main">
   <p:cSld>
@@ -16343,35 +16416,16 @@
           <a:p>
             <a:r>
               <a:rPr lang="en-CA" dirty="0" smtClean="0"/>
-              <a:t>What if you want to change the list contents?</a:t>
+              <a:t>Creating and populating a list</a:t>
             </a:r>
             <a:endParaRPr lang="en-US" dirty="0"/>
-          </a:p>
-        </p:txBody>
-      </p:sp>
-      <p:sp>
-        <p:nvSpPr>
-          <p:cNvPr id="5" name="Text Placeholder 4"/>
-          <p:cNvSpPr>
-            <a:spLocks noGrp="1"/>
-          </p:cNvSpPr>
-          <p:nvPr>
-            <p:ph type="body" idx="1"/>
-          </p:nvPr>
-        </p:nvSpPr>
-        <p:spPr/>
-        <p:txBody>
-          <a:bodyPr/>
-          <a:lstStyle/>
-          <a:p>
-            <a:endParaRPr lang="en-US"/>
           </a:p>
         </p:txBody>
       </p:sp>
     </p:spTree>
     <p:extLst>
       <p:ext uri="{BB962C8B-B14F-4D97-AF65-F5344CB8AC3E}">
-        <p14:creationId xmlns:p14="http://schemas.microsoft.com/office/powerpoint/2010/main" val="1598855511"/>
+        <p14:creationId xmlns:p14="http://schemas.microsoft.com/office/powerpoint/2010/main" val="531578089"/>
       </p:ext>
     </p:extLst>
   </p:cSld>

--- a/Office Docs/10 Remembering lists.pptx
+++ b/Office Docs/10 Remembering lists.pptx
@@ -7499,8 +7499,12 @@
           <a:lstStyle/>
           <a:p>
             <a:r>
-              <a:rPr lang="en-US" dirty="0" smtClean="0"/>
-              <a:t>Displaying list values</a:t>
+              <a:rPr lang="en-US" smtClean="0"/>
+              <a:t>Displaying </a:t>
+            </a:r>
+            <a:r>
+              <a:rPr lang="en-US" smtClean="0"/>
+              <a:t>values</a:t>
             </a:r>
             <a:endParaRPr lang="en-US" dirty="0"/>
           </a:p>
